--- a/Weekly Submissions/Week2/Presentation Week 2.pptx
+++ b/Weekly Submissions/Week2/Presentation Week 2.pptx
@@ -5,7 +5,7 @@
     <p:sldMasterId id="2147483672" r:id="rId1"/>
   </p:sldMasterIdLst>
   <p:notesMasterIdLst>
-    <p:notesMasterId r:id="rId18"/>
+    <p:notesMasterId r:id="rId22"/>
   </p:notesMasterIdLst>
   <p:sldIdLst>
     <p:sldId id="256" r:id="rId2"/>
@@ -15,15 +15,19 @@
     <p:sldId id="267" r:id="rId6"/>
     <p:sldId id="273" r:id="rId7"/>
     <p:sldId id="278" r:id="rId8"/>
-    <p:sldId id="275" r:id="rId9"/>
-    <p:sldId id="279" r:id="rId10"/>
-    <p:sldId id="280" r:id="rId11"/>
-    <p:sldId id="276" r:id="rId12"/>
-    <p:sldId id="269" r:id="rId13"/>
-    <p:sldId id="270" r:id="rId14"/>
-    <p:sldId id="271" r:id="rId15"/>
-    <p:sldId id="272" r:id="rId16"/>
-    <p:sldId id="264" r:id="rId17"/>
+    <p:sldId id="276" r:id="rId9"/>
+    <p:sldId id="275" r:id="rId10"/>
+    <p:sldId id="279" r:id="rId11"/>
+    <p:sldId id="280" r:id="rId12"/>
+    <p:sldId id="282" r:id="rId13"/>
+    <p:sldId id="284" r:id="rId14"/>
+    <p:sldId id="283" r:id="rId15"/>
+    <p:sldId id="269" r:id="rId16"/>
+    <p:sldId id="270" r:id="rId17"/>
+    <p:sldId id="271" r:id="rId18"/>
+    <p:sldId id="272" r:id="rId19"/>
+    <p:sldId id="281" r:id="rId20"/>
+    <p:sldId id="264" r:id="rId21"/>
   </p:sldIdLst>
   <p:sldSz cx="9144000" cy="6858000" type="screen4x3"/>
   <p:notesSz cx="6858000" cy="9144000"/>
@@ -6140,7 +6144,13 @@
   <p:cSld>
     <p:spTree>
       <p:nvGrpSpPr>
-        <p:cNvPr id="1" name=""/>
+        <p:cNvPr id="1" name="">
+          <a:extLst>
+            <a:ext uri="{FF2B5EF4-FFF2-40B4-BE49-F238E27FC236}">
+              <a16:creationId xmlns:a16="http://schemas.microsoft.com/office/drawing/2014/main" id="{3B972D46-CDCD-1EE0-0F6C-0F438B52B921}"/>
+            </a:ext>
+          </a:extLst>
+        </p:cNvPr>
         <p:cNvGrpSpPr/>
         <p:nvPr/>
       </p:nvGrpSpPr>
@@ -6154,459 +6164,68 @@
       </p:grpSpPr>
       <p:sp>
         <p:nvSpPr>
-          <p:cNvPr id="5" name="TextBox 4">
+          <p:cNvPr id="2" name="Title 1">
             <a:extLst>
               <a:ext uri="{FF2B5EF4-FFF2-40B4-BE49-F238E27FC236}">
-                <a16:creationId xmlns:a16="http://schemas.microsoft.com/office/drawing/2014/main" id="{C436CAA0-991B-08BC-A6B6-B60B57F1FCE5}"/>
+                <a16:creationId xmlns:a16="http://schemas.microsoft.com/office/drawing/2014/main" id="{95D5689C-3293-F53B-73A5-C3793D4D01E2}"/>
               </a:ext>
             </a:extLst>
           </p:cNvPr>
-          <p:cNvSpPr txBox="1"/>
-          <p:nvPr/>
-        </p:nvSpPr>
-        <p:spPr>
-          <a:xfrm>
-            <a:off x="265471" y="373625"/>
-            <a:ext cx="5152103" cy="1323439"/>
-          </a:xfrm>
-          <a:prstGeom prst="rect">
-            <a:avLst/>
-          </a:prstGeom>
-        </p:spPr>
-        <p:style>
-          <a:lnRef idx="2">
-            <a:schemeClr val="dk1"/>
-          </a:lnRef>
-          <a:fillRef idx="1">
-            <a:schemeClr val="lt1"/>
-          </a:fillRef>
-          <a:effectRef idx="0">
-            <a:schemeClr val="dk1"/>
-          </a:effectRef>
-          <a:fontRef idx="minor">
-            <a:schemeClr val="dk1"/>
-          </a:fontRef>
-        </p:style>
-        <p:txBody>
-          <a:bodyPr wrap="square">
-            <a:spAutoFit/>
-          </a:bodyPr>
-          <a:lstStyle/>
-          <a:p>
-            <a:pPr algn="just">
-              <a:buNone/>
-            </a:pPr>
-            <a:r>
-              <a:rPr lang="en-GB" sz="1600" i="1" dirty="0">
-                <a:solidFill>
-                  <a:schemeClr val="bg1"/>
-                </a:solidFill>
+          <p:cNvSpPr>
+            <a:spLocks noGrp="1"/>
+          </p:cNvSpPr>
+          <p:nvPr>
+            <p:ph type="title"/>
+          </p:nvPr>
+        </p:nvSpPr>
+        <p:spPr/>
+        <p:txBody>
+          <a:bodyPr/>
+          <a:lstStyle/>
+          <a:p>
+            <a:r>
+              <a:rPr lang="en-GB" dirty="0">
                 <a:effectLst/>
-                <a:latin typeface="Arial Narrow" panose="020B0604020202020204" pitchFamily="34" charset="0"/>
-                <a:cs typeface="Arial Narrow" panose="020B0604020202020204" pitchFamily="34" charset="0"/>
               </a:rPr>
-              <a:t>“the app became unstable, and AI doesn’t care about recognizing anything. You can sing a song instead of the correct answer, and AI will accept it. Most of the time, it freezes in the middle of the lesson, and the mic button gets stuck, among other issues. Don’t buy their plan until they fix their app.” – voice recognition</a:t>
-            </a:r>
-          </a:p>
-        </p:txBody>
-      </p:sp>
-      <p:sp>
-        <p:nvSpPr>
-          <p:cNvPr id="8" name="TextBox 7">
+              <a:t>Challenges and Limitations </a:t>
+            </a:r>
+            <a:endParaRPr lang="en-US" dirty="0"/>
+          </a:p>
+        </p:txBody>
+      </p:sp>
+      <p:pic>
+        <p:nvPicPr>
+          <p:cNvPr id="5" name="Content Placeholder 4" descr="A screenshot of a graph&#10;&#10;AI-generated content may be incorrect.">
             <a:extLst>
               <a:ext uri="{FF2B5EF4-FFF2-40B4-BE49-F238E27FC236}">
-                <a16:creationId xmlns:a16="http://schemas.microsoft.com/office/drawing/2014/main" id="{D0117B28-52C1-3376-09D8-EDBAC70F414B}"/>
+                <a16:creationId xmlns:a16="http://schemas.microsoft.com/office/drawing/2014/main" id="{4A53ECB7-EE27-6352-ED48-D1482D307FE9}"/>
               </a:ext>
             </a:extLst>
           </p:cNvPr>
-          <p:cNvSpPr txBox="1"/>
-          <p:nvPr/>
-        </p:nvSpPr>
+          <p:cNvPicPr>
+            <a:picLocks noGrp="1" noChangeAspect="1"/>
+          </p:cNvPicPr>
+          <p:nvPr>
+            <p:ph idx="1"/>
+          </p:nvPr>
+        </p:nvPicPr>
+        <p:blipFill>
+          <a:blip r:embed="rId2"/>
+          <a:stretch>
+            <a:fillRect/>
+          </a:stretch>
+        </p:blipFill>
         <p:spPr>
           <a:xfrm>
-            <a:off x="2788232" y="1941389"/>
-            <a:ext cx="6317226" cy="1815882"/>
+            <a:off x="403161" y="2310581"/>
+            <a:ext cx="8577411" cy="3362632"/>
           </a:xfrm>
-          <a:prstGeom prst="rect">
-            <a:avLst/>
-          </a:prstGeom>
         </p:spPr>
-        <p:style>
-          <a:lnRef idx="2">
-            <a:schemeClr val="dk1"/>
-          </a:lnRef>
-          <a:fillRef idx="1">
-            <a:schemeClr val="lt1"/>
-          </a:fillRef>
-          <a:effectRef idx="0">
-            <a:schemeClr val="dk1"/>
-          </a:effectRef>
-          <a:fontRef idx="minor">
-            <a:schemeClr val="dk1"/>
-          </a:fontRef>
-        </p:style>
-        <p:txBody>
-          <a:bodyPr wrap="square">
-            <a:spAutoFit/>
-          </a:bodyPr>
-          <a:lstStyle/>
-          <a:p>
-            <a:pPr algn="just">
-              <a:buNone/>
-            </a:pPr>
-            <a:r>
-              <a:rPr lang="en-GB" sz="1600" i="1" dirty="0">
-                <a:solidFill>
-                  <a:schemeClr val="bg1"/>
-                </a:solidFill>
-                <a:effectLst/>
-                <a:latin typeface="Arial Narrow" panose="020B0604020202020204" pitchFamily="34" charset="0"/>
-                <a:cs typeface="Arial Narrow" panose="020B0604020202020204" pitchFamily="34" charset="0"/>
-              </a:rPr>
-              <a:t>“It was a good</a:t>
-            </a:r>
-            <a:r>
-              <a:rPr lang="en-GB" sz="1600" i="1" dirty="0">
-                <a:solidFill>
-                  <a:schemeClr val="bg1"/>
-                </a:solidFill>
-                <a:latin typeface="Arial Narrow" panose="020B0604020202020204" pitchFamily="34" charset="0"/>
-                <a:cs typeface="Arial Narrow" panose="020B0604020202020204" pitchFamily="34" charset="0"/>
-              </a:rPr>
-              <a:t> </a:t>
-            </a:r>
-            <a:r>
-              <a:rPr lang="en-GB" sz="1600" i="1" dirty="0">
-                <a:solidFill>
-                  <a:schemeClr val="bg1"/>
-                </a:solidFill>
-                <a:effectLst/>
-                <a:latin typeface="Arial Narrow" panose="020B0604020202020204" pitchFamily="34" charset="0"/>
-                <a:cs typeface="Arial Narrow" panose="020B0604020202020204" pitchFamily="34" charset="0"/>
-              </a:rPr>
-              <a:t>tool to start learning a new language from scratch. But I</a:t>
-            </a:r>
-            <a:r>
-              <a:rPr lang="en-GB" sz="1600" i="1" dirty="0">
-                <a:solidFill>
-                  <a:schemeClr val="bg1"/>
-                </a:solidFill>
-                <a:latin typeface="Arial Narrow" panose="020B0604020202020204" pitchFamily="34" charset="0"/>
-                <a:cs typeface="Arial Narrow" panose="020B0604020202020204" pitchFamily="34" charset="0"/>
-              </a:rPr>
-              <a:t> </a:t>
-            </a:r>
-            <a:r>
-              <a:rPr lang="en-GB" sz="1600" i="1" dirty="0">
-                <a:solidFill>
-                  <a:schemeClr val="bg1"/>
-                </a:solidFill>
-                <a:effectLst/>
-                <a:latin typeface="Arial Narrow" panose="020B0604020202020204" pitchFamily="34" charset="0"/>
-                <a:cs typeface="Arial Narrow" panose="020B0604020202020204" pitchFamily="34" charset="0"/>
-              </a:rPr>
-              <a:t>find that the AI component doesn’t work very well. It gives</a:t>
-            </a:r>
-            <a:r>
-              <a:rPr lang="en-GB" sz="1600" i="1" dirty="0">
-                <a:solidFill>
-                  <a:schemeClr val="bg1"/>
-                </a:solidFill>
-                <a:latin typeface="Arial Narrow" panose="020B0604020202020204" pitchFamily="34" charset="0"/>
-                <a:cs typeface="Arial Narrow" panose="020B0604020202020204" pitchFamily="34" charset="0"/>
-              </a:rPr>
-              <a:t> </a:t>
-            </a:r>
-            <a:r>
-              <a:rPr lang="en-GB" sz="1600" i="1" dirty="0">
-                <a:solidFill>
-                  <a:schemeClr val="bg1"/>
-                </a:solidFill>
-                <a:effectLst/>
-                <a:latin typeface="Arial Narrow" panose="020B0604020202020204" pitchFamily="34" charset="0"/>
-                <a:cs typeface="Arial Narrow" panose="020B0604020202020204" pitchFamily="34" charset="0"/>
-              </a:rPr>
-              <a:t>easy exercises for the same word right after I’ve already done</a:t>
-            </a:r>
-            <a:r>
-              <a:rPr lang="en-GB" sz="1600" i="1" dirty="0">
-                <a:solidFill>
-                  <a:schemeClr val="bg1"/>
-                </a:solidFill>
-                <a:latin typeface="Arial Narrow" panose="020B0604020202020204" pitchFamily="34" charset="0"/>
-                <a:cs typeface="Arial Narrow" panose="020B0604020202020204" pitchFamily="34" charset="0"/>
-              </a:rPr>
-              <a:t> </a:t>
-            </a:r>
-            <a:r>
-              <a:rPr lang="en-GB" sz="1600" i="1" dirty="0">
-                <a:solidFill>
-                  <a:schemeClr val="bg1"/>
-                </a:solidFill>
-                <a:effectLst/>
-                <a:latin typeface="Arial Narrow" panose="020B0604020202020204" pitchFamily="34" charset="0"/>
-                <a:cs typeface="Arial Narrow" panose="020B0604020202020204" pitchFamily="34" charset="0"/>
-              </a:rPr>
-              <a:t>a more challenging one. Also, I have to practice a lot of</a:t>
-            </a:r>
-            <a:r>
-              <a:rPr lang="en-GB" sz="1600" i="1" dirty="0">
-                <a:solidFill>
-                  <a:schemeClr val="bg1"/>
-                </a:solidFill>
-                <a:latin typeface="Arial Narrow" panose="020B0604020202020204" pitchFamily="34" charset="0"/>
-                <a:cs typeface="Arial Narrow" panose="020B0604020202020204" pitchFamily="34" charset="0"/>
-              </a:rPr>
-              <a:t> </a:t>
-            </a:r>
-            <a:r>
-              <a:rPr lang="en-GB" sz="1600" i="1" dirty="0">
-                <a:solidFill>
-                  <a:schemeClr val="bg1"/>
-                </a:solidFill>
-                <a:effectLst/>
-                <a:latin typeface="Arial Narrow" panose="020B0604020202020204" pitchFamily="34" charset="0"/>
-                <a:cs typeface="Arial Narrow" panose="020B0604020202020204" pitchFamily="34" charset="0"/>
-              </a:rPr>
-              <a:t>unnecessary stuff like names and cities. A lot of practices are</a:t>
-            </a:r>
-            <a:r>
-              <a:rPr lang="en-GB" sz="1600" i="1" dirty="0">
-                <a:solidFill>
-                  <a:schemeClr val="bg1"/>
-                </a:solidFill>
-                <a:latin typeface="Arial Narrow" panose="020B0604020202020204" pitchFamily="34" charset="0"/>
-                <a:cs typeface="Arial Narrow" panose="020B0604020202020204" pitchFamily="34" charset="0"/>
-              </a:rPr>
-              <a:t> </a:t>
-            </a:r>
-            <a:r>
-              <a:rPr lang="en-GB" sz="1600" i="1" dirty="0">
-                <a:solidFill>
-                  <a:schemeClr val="bg1"/>
-                </a:solidFill>
-                <a:effectLst/>
-                <a:latin typeface="Arial Narrow" panose="020B0604020202020204" pitchFamily="34" charset="0"/>
-                <a:cs typeface="Arial Narrow" panose="020B0604020202020204" pitchFamily="34" charset="0"/>
-              </a:rPr>
-              <a:t>highly redundant, so I think I waste a lot of time practicing</a:t>
-            </a:r>
-            <a:r>
-              <a:rPr lang="en-GB" sz="1600" i="1" dirty="0">
-                <a:solidFill>
-                  <a:schemeClr val="bg1"/>
-                </a:solidFill>
-                <a:latin typeface="Arial Narrow" panose="020B0604020202020204" pitchFamily="34" charset="0"/>
-                <a:cs typeface="Arial Narrow" panose="020B0604020202020204" pitchFamily="34" charset="0"/>
-              </a:rPr>
-              <a:t> </a:t>
-            </a:r>
-            <a:r>
-              <a:rPr lang="en-GB" sz="1600" i="1" dirty="0">
-                <a:solidFill>
-                  <a:schemeClr val="bg1"/>
-                </a:solidFill>
-                <a:effectLst/>
-                <a:latin typeface="Arial Narrow" panose="020B0604020202020204" pitchFamily="34" charset="0"/>
-                <a:cs typeface="Arial Narrow" panose="020B0604020202020204" pitchFamily="34" charset="0"/>
-              </a:rPr>
-              <a:t>easy and unnecessary stuff. Furthermore, I have no choice in</a:t>
-            </a:r>
-            <a:r>
-              <a:rPr lang="en-GB" sz="1600" i="1" dirty="0">
-                <a:solidFill>
-                  <a:schemeClr val="bg1"/>
-                </a:solidFill>
-                <a:latin typeface="Arial Narrow" panose="020B0604020202020204" pitchFamily="34" charset="0"/>
-                <a:cs typeface="Arial Narrow" panose="020B0604020202020204" pitchFamily="34" charset="0"/>
-              </a:rPr>
-              <a:t> </a:t>
-            </a:r>
-            <a:r>
-              <a:rPr lang="en-GB" sz="1600" i="1" dirty="0">
-                <a:solidFill>
-                  <a:schemeClr val="bg1"/>
-                </a:solidFill>
-                <a:effectLst/>
-                <a:latin typeface="Arial Narrow" panose="020B0604020202020204" pitchFamily="34" charset="0"/>
-                <a:cs typeface="Arial Narrow" panose="020B0604020202020204" pitchFamily="34" charset="0"/>
-              </a:rPr>
-              <a:t>what to practice. All in all, it’s not the most efficient.” English learning app</a:t>
-            </a:r>
-          </a:p>
-        </p:txBody>
-      </p:sp>
-      <p:sp>
-        <p:nvSpPr>
-          <p:cNvPr id="9" name="TextBox 8">
-            <a:extLst>
-              <a:ext uri="{FF2B5EF4-FFF2-40B4-BE49-F238E27FC236}">
-                <a16:creationId xmlns:a16="http://schemas.microsoft.com/office/drawing/2014/main" id="{91D79778-56DB-7133-8675-05FB2BC17235}"/>
-              </a:ext>
-            </a:extLst>
-          </p:cNvPr>
-          <p:cNvSpPr txBox="1"/>
-          <p:nvPr/>
-        </p:nvSpPr>
-        <p:spPr>
-          <a:xfrm>
-            <a:off x="265471" y="3874328"/>
-            <a:ext cx="4758813" cy="1569660"/>
-          </a:xfrm>
-          <a:prstGeom prst="rect">
-            <a:avLst/>
-          </a:prstGeom>
-          <a:solidFill>
-            <a:schemeClr val="tx1"/>
-          </a:solidFill>
-        </p:spPr>
-        <p:txBody>
-          <a:bodyPr wrap="square" rtlCol="0">
-            <a:spAutoFit/>
-          </a:bodyPr>
-          <a:lstStyle/>
-          <a:p>
-            <a:pPr algn="just"/>
-            <a:r>
-              <a:rPr lang="en-GB" sz="1600" i="1" dirty="0">
-                <a:solidFill>
-                  <a:schemeClr val="bg1"/>
-                </a:solidFill>
-                <a:latin typeface="Arial Narrow" panose="020B0604020202020204" pitchFamily="34" charset="0"/>
-                <a:cs typeface="Arial Narrow" panose="020B0604020202020204" pitchFamily="34" charset="0"/>
-              </a:rPr>
-              <a:t>“This app is complete literal trash It cant even recognize an extremely simple variable equation system properly much less solve it Leave the image recognition to the big boys like Google and Microsoft, You’re an embarrassment to society and to yourselves.” – Image recognition</a:t>
-            </a:r>
-          </a:p>
-          <a:p>
-            <a:endParaRPr lang="en-US" sz="1600" dirty="0"/>
-          </a:p>
-        </p:txBody>
-      </p:sp>
-      <p:sp>
-        <p:nvSpPr>
-          <p:cNvPr id="10" name="TextBox 9">
-            <a:extLst>
-              <a:ext uri="{FF2B5EF4-FFF2-40B4-BE49-F238E27FC236}">
-                <a16:creationId xmlns:a16="http://schemas.microsoft.com/office/drawing/2014/main" id="{77EC7508-3ED2-7DAE-44D0-CC886C292B3D}"/>
-              </a:ext>
-            </a:extLst>
-          </p:cNvPr>
-          <p:cNvSpPr txBox="1"/>
-          <p:nvPr/>
-        </p:nvSpPr>
-        <p:spPr>
-          <a:xfrm>
-            <a:off x="1960986" y="5747858"/>
-            <a:ext cx="6913175" cy="923330"/>
-          </a:xfrm>
-          <a:prstGeom prst="rect">
-            <a:avLst/>
-          </a:prstGeom>
-          <a:solidFill>
-            <a:schemeClr val="tx1"/>
-          </a:solidFill>
-        </p:spPr>
-        <p:txBody>
-          <a:bodyPr wrap="none" rtlCol="0">
-            <a:spAutoFit/>
-          </a:bodyPr>
-          <a:lstStyle/>
-          <a:p>
-            <a:r>
-              <a:rPr lang="en-GB" i="1" dirty="0">
-                <a:solidFill>
-                  <a:schemeClr val="bg1"/>
-                </a:solidFill>
-                <a:latin typeface="Arial Narrow" panose="020B0604020202020204" pitchFamily="34" charset="0"/>
-                <a:cs typeface="Arial Narrow" panose="020B0604020202020204" pitchFamily="34" charset="0"/>
-              </a:rPr>
-              <a:t>“As long as this app does not solve the Gau Algorithm, it is worthless for me.</a:t>
-            </a:r>
-          </a:p>
-          <a:p>
-            <a:r>
-              <a:rPr lang="en-GB" i="1" dirty="0">
-                <a:solidFill>
-                  <a:schemeClr val="bg1"/>
-                </a:solidFill>
-                <a:latin typeface="Arial Narrow" panose="020B0604020202020204" pitchFamily="34" charset="0"/>
-                <a:cs typeface="Arial Narrow" panose="020B0604020202020204" pitchFamily="34" charset="0"/>
-              </a:rPr>
-              <a:t>Can’t read matrix integrals or equations with more than one variable. Total trash.”</a:t>
-            </a:r>
-          </a:p>
-          <a:p>
-            <a:r>
-              <a:rPr lang="en-US" i="1" dirty="0">
-                <a:solidFill>
-                  <a:schemeClr val="bg1"/>
-                </a:solidFill>
-                <a:latin typeface="Arial Narrow" panose="020B0604020202020204" pitchFamily="34" charset="0"/>
-                <a:cs typeface="Arial Narrow" panose="020B0604020202020204" pitchFamily="34" charset="0"/>
-              </a:rPr>
-              <a:t>- Image recognition</a:t>
-            </a:r>
-          </a:p>
-        </p:txBody>
-      </p:sp>
-      <p:sp>
-        <p:nvSpPr>
-          <p:cNvPr id="11" name="TextBox 10">
-            <a:extLst>
-              <a:ext uri="{FF2B5EF4-FFF2-40B4-BE49-F238E27FC236}">
-                <a16:creationId xmlns:a16="http://schemas.microsoft.com/office/drawing/2014/main" id="{9FA1E3C0-373E-7658-55C8-46AC6B57408E}"/>
-              </a:ext>
-            </a:extLst>
-          </p:cNvPr>
-          <p:cNvSpPr txBox="1"/>
-          <p:nvPr/>
-        </p:nvSpPr>
-        <p:spPr>
-          <a:xfrm>
-            <a:off x="5673213" y="275303"/>
-            <a:ext cx="3352800" cy="1138773"/>
-          </a:xfrm>
-          <a:prstGeom prst="rect">
-            <a:avLst/>
-          </a:prstGeom>
-          <a:noFill/>
-        </p:spPr>
-        <p:txBody>
-          <a:bodyPr wrap="square" rtlCol="0">
-            <a:spAutoFit/>
-          </a:bodyPr>
-          <a:lstStyle/>
-          <a:p>
-            <a:r>
-              <a:rPr lang="en-US" sz="2000" dirty="0"/>
-              <a:t> </a:t>
-            </a:r>
-            <a:r>
-              <a:rPr kumimoji="0" lang="en-GB" sz="3400" b="1" i="0" u="none" strike="noStrike" kern="1200" cap="all" spc="0" normalizeH="0" baseline="0" noProof="0" dirty="0">
-                <a:ln>
-                  <a:noFill/>
-                </a:ln>
-                <a:solidFill>
-                  <a:prstClr val="white"/>
-                </a:solidFill>
-                <a:effectLst/>
-                <a:uLnTx/>
-                <a:uFillTx/>
-                <a:latin typeface="Bookman Old Style" panose="02050604050505020204"/>
-                <a:ea typeface="+mj-ea"/>
-                <a:cs typeface="+mj-cs"/>
-              </a:rPr>
-              <a:t>AI App Reviews</a:t>
-            </a:r>
-            <a:endParaRPr lang="en-US" sz="2000" dirty="0"/>
-          </a:p>
-        </p:txBody>
-      </p:sp>
+      </p:pic>
     </p:spTree>
     <p:extLst>
       <p:ext uri="{BB962C8B-B14F-4D97-AF65-F5344CB8AC3E}">
-        <p14:creationId xmlns:p14="http://schemas.microsoft.com/office/powerpoint/2010/main" val="772339327"/>
+        <p14:creationId xmlns:p14="http://schemas.microsoft.com/office/powerpoint/2010/main" val="48621824"/>
       </p:ext>
     </p:extLst>
   </p:cSld>
@@ -6635,113 +6254,459 @@
       </p:grpSpPr>
       <p:sp>
         <p:nvSpPr>
-          <p:cNvPr id="2" name="Title 1">
+          <p:cNvPr id="5" name="TextBox 4">
             <a:extLst>
               <a:ext uri="{FF2B5EF4-FFF2-40B4-BE49-F238E27FC236}">
-                <a16:creationId xmlns:a16="http://schemas.microsoft.com/office/drawing/2014/main" id="{F8236ADD-21F6-104F-8557-3CDA85890D7D}"/>
+                <a16:creationId xmlns:a16="http://schemas.microsoft.com/office/drawing/2014/main" id="{C436CAA0-991B-08BC-A6B6-B60B57F1FCE5}"/>
               </a:ext>
             </a:extLst>
           </p:cNvPr>
-          <p:cNvSpPr>
-            <a:spLocks noGrp="1"/>
-          </p:cNvSpPr>
-          <p:nvPr>
-            <p:ph type="title"/>
-          </p:nvPr>
+          <p:cNvSpPr txBox="1"/>
+          <p:nvPr/>
         </p:nvSpPr>
         <p:spPr>
           <a:xfrm>
-            <a:off x="215777" y="599769"/>
-            <a:ext cx="8704459" cy="1326321"/>
+            <a:off x="265471" y="373625"/>
+            <a:ext cx="5152103" cy="1323439"/>
           </a:xfrm>
+          <a:prstGeom prst="rect">
+            <a:avLst/>
+          </a:prstGeom>
         </p:spPr>
-        <p:txBody>
-          <a:bodyPr>
-            <a:normAutofit fontScale="90000"/>
+        <p:style>
+          <a:lnRef idx="2">
+            <a:schemeClr val="dk1"/>
+          </a:lnRef>
+          <a:fillRef idx="1">
+            <a:schemeClr val="lt1"/>
+          </a:fillRef>
+          <a:effectRef idx="0">
+            <a:schemeClr val="dk1"/>
+          </a:effectRef>
+          <a:fontRef idx="minor">
+            <a:schemeClr val="dk1"/>
+          </a:fontRef>
+        </p:style>
+        <p:txBody>
+          <a:bodyPr wrap="square">
+            <a:spAutoFit/>
           </a:bodyPr>
           <a:lstStyle/>
           <a:p>
-            <a:pPr algn="l"/>
-            <a:r>
-              <a:rPr lang="en-GB" dirty="0">
+            <a:pPr algn="just">
+              <a:buNone/>
+            </a:pPr>
+            <a:r>
+              <a:rPr lang="en-GB" sz="1600" i="1" dirty="0">
+                <a:solidFill>
+                  <a:schemeClr val="bg1"/>
+                </a:solidFill>
                 <a:effectLst/>
+                <a:latin typeface="Arial Narrow" panose="020B0604020202020204" pitchFamily="34" charset="0"/>
+                <a:cs typeface="Arial Narrow" panose="020B0604020202020204" pitchFamily="34" charset="0"/>
               </a:rPr>
-              <a:t>Student Perceptions and Adoption</a:t>
-            </a:r>
-            <a:br>
-              <a:rPr lang="en-GB" dirty="0">
-                <a:effectLst/>
-              </a:rPr>
-            </a:br>
-            <a:endParaRPr lang="en-US" dirty="0"/>
-          </a:p>
-        </p:txBody>
-      </p:sp>
-      <p:sp>
-        <p:nvSpPr>
-          <p:cNvPr id="3" name="Content Placeholder 2">
+              <a:t>“the app became unstable, and AI doesn’t care about recognizing anything. You can sing a song instead of the correct answer, and AI will accept it. Most of the time, it freezes in the middle of the lesson, and the mic button gets stuck, among other issues. Don’t buy their plan until they fix their app.” – voice recognition</a:t>
+            </a:r>
+          </a:p>
+        </p:txBody>
+      </p:sp>
+      <p:sp>
+        <p:nvSpPr>
+          <p:cNvPr id="8" name="TextBox 7">
             <a:extLst>
               <a:ext uri="{FF2B5EF4-FFF2-40B4-BE49-F238E27FC236}">
-                <a16:creationId xmlns:a16="http://schemas.microsoft.com/office/drawing/2014/main" id="{A29BAB89-6F4D-CBE3-E9CA-DF096B48CC4E}"/>
+                <a16:creationId xmlns:a16="http://schemas.microsoft.com/office/drawing/2014/main" id="{D0117B28-52C1-3376-09D8-EDBAC70F414B}"/>
               </a:ext>
             </a:extLst>
           </p:cNvPr>
-          <p:cNvSpPr>
-            <a:spLocks noGrp="1"/>
-          </p:cNvSpPr>
-          <p:nvPr>
-            <p:ph idx="1"/>
-          </p:nvPr>
-        </p:nvSpPr>
-        <p:spPr/>
-        <p:txBody>
-          <a:bodyPr/>
-          <a:lstStyle/>
-          <a:p>
-            <a:pPr lvl="0"/>
-            <a:r>
-              <a:rPr lang="en-GB" dirty="0"/>
-              <a:t>Social norms influence AI adoption.</a:t>
-            </a:r>
-          </a:p>
-          <a:p>
-            <a:pPr lvl="0"/>
-            <a:r>
-              <a:rPr lang="en-GB" dirty="0">
+          <p:cNvSpPr txBox="1"/>
+          <p:nvPr/>
+        </p:nvSpPr>
+        <p:spPr>
+          <a:xfrm>
+            <a:off x="2788232" y="1941389"/>
+            <a:ext cx="6317226" cy="1815882"/>
+          </a:xfrm>
+          <a:prstGeom prst="rect">
+            <a:avLst/>
+          </a:prstGeom>
+        </p:spPr>
+        <p:style>
+          <a:lnRef idx="2">
+            <a:schemeClr val="dk1"/>
+          </a:lnRef>
+          <a:fillRef idx="1">
+            <a:schemeClr val="lt1"/>
+          </a:fillRef>
+          <a:effectRef idx="0">
+            <a:schemeClr val="dk1"/>
+          </a:effectRef>
+          <a:fontRef idx="minor">
+            <a:schemeClr val="dk1"/>
+          </a:fontRef>
+        </p:style>
+        <p:txBody>
+          <a:bodyPr wrap="square">
+            <a:spAutoFit/>
+          </a:bodyPr>
+          <a:lstStyle/>
+          <a:p>
+            <a:pPr algn="just">
+              <a:buNone/>
+            </a:pPr>
+            <a:r>
+              <a:rPr lang="en-GB" sz="1600" i="1" dirty="0">
+                <a:solidFill>
+                  <a:schemeClr val="bg1"/>
+                </a:solidFill>
                 <a:effectLst/>
+                <a:latin typeface="Arial Narrow" panose="020B0604020202020204" pitchFamily="34" charset="0"/>
+                <a:cs typeface="Arial Narrow" panose="020B0604020202020204" pitchFamily="34" charset="0"/>
               </a:rPr>
-              <a:t>Adoption influenced by gender, academic level, and field of study.</a:t>
-            </a:r>
-          </a:p>
-          <a:p>
-            <a:r>
-              <a:rPr lang="en-GB" dirty="0">
+              <a:t>“It was a good</a:t>
+            </a:r>
+            <a:r>
+              <a:rPr lang="en-GB" sz="1600" i="1" dirty="0">
+                <a:solidFill>
+                  <a:schemeClr val="bg1"/>
+                </a:solidFill>
+                <a:latin typeface="Arial Narrow" panose="020B0604020202020204" pitchFamily="34" charset="0"/>
+                <a:cs typeface="Arial Narrow" panose="020B0604020202020204" pitchFamily="34" charset="0"/>
+              </a:rPr>
+              <a:t> </a:t>
+            </a:r>
+            <a:r>
+              <a:rPr lang="en-GB" sz="1600" i="1" dirty="0">
+                <a:solidFill>
+                  <a:schemeClr val="bg1"/>
+                </a:solidFill>
                 <a:effectLst/>
+                <a:latin typeface="Arial Narrow" panose="020B0604020202020204" pitchFamily="34" charset="0"/>
+                <a:cs typeface="Arial Narrow" panose="020B0604020202020204" pitchFamily="34" charset="0"/>
               </a:rPr>
-              <a:t>Concerns about AI replacing traditional teaching.</a:t>
-            </a:r>
-          </a:p>
-          <a:p>
-            <a:pPr lvl="0"/>
-            <a:r>
-              <a:rPr lang="en-GB" dirty="0"/>
-              <a:t>Students value cognitive support but miss motivational aid.</a:t>
-            </a:r>
-          </a:p>
-          <a:p>
-            <a:pPr lvl="0"/>
-            <a:r>
-              <a:rPr lang="en-GB" dirty="0"/>
-              <a:t>Gender differences in AI concerns</a:t>
-            </a:r>
-            <a:endParaRPr lang="en-US" dirty="0"/>
+              <a:t>tool to start learning a new language from scratch. But I</a:t>
+            </a:r>
+            <a:r>
+              <a:rPr lang="en-GB" sz="1600" i="1" dirty="0">
+                <a:solidFill>
+                  <a:schemeClr val="bg1"/>
+                </a:solidFill>
+                <a:latin typeface="Arial Narrow" panose="020B0604020202020204" pitchFamily="34" charset="0"/>
+                <a:cs typeface="Arial Narrow" panose="020B0604020202020204" pitchFamily="34" charset="0"/>
+              </a:rPr>
+              <a:t> </a:t>
+            </a:r>
+            <a:r>
+              <a:rPr lang="en-GB" sz="1600" i="1" dirty="0">
+                <a:solidFill>
+                  <a:schemeClr val="bg1"/>
+                </a:solidFill>
+                <a:effectLst/>
+                <a:latin typeface="Arial Narrow" panose="020B0604020202020204" pitchFamily="34" charset="0"/>
+                <a:cs typeface="Arial Narrow" panose="020B0604020202020204" pitchFamily="34" charset="0"/>
+              </a:rPr>
+              <a:t>find that the AI component doesn’t work very well. It gives</a:t>
+            </a:r>
+            <a:r>
+              <a:rPr lang="en-GB" sz="1600" i="1" dirty="0">
+                <a:solidFill>
+                  <a:schemeClr val="bg1"/>
+                </a:solidFill>
+                <a:latin typeface="Arial Narrow" panose="020B0604020202020204" pitchFamily="34" charset="0"/>
+                <a:cs typeface="Arial Narrow" panose="020B0604020202020204" pitchFamily="34" charset="0"/>
+              </a:rPr>
+              <a:t> </a:t>
+            </a:r>
+            <a:r>
+              <a:rPr lang="en-GB" sz="1600" i="1" dirty="0">
+                <a:solidFill>
+                  <a:schemeClr val="bg1"/>
+                </a:solidFill>
+                <a:effectLst/>
+                <a:latin typeface="Arial Narrow" panose="020B0604020202020204" pitchFamily="34" charset="0"/>
+                <a:cs typeface="Arial Narrow" panose="020B0604020202020204" pitchFamily="34" charset="0"/>
+              </a:rPr>
+              <a:t>easy exercises for the same word right after I’ve already done</a:t>
+            </a:r>
+            <a:r>
+              <a:rPr lang="en-GB" sz="1600" i="1" dirty="0">
+                <a:solidFill>
+                  <a:schemeClr val="bg1"/>
+                </a:solidFill>
+                <a:latin typeface="Arial Narrow" panose="020B0604020202020204" pitchFamily="34" charset="0"/>
+                <a:cs typeface="Arial Narrow" panose="020B0604020202020204" pitchFamily="34" charset="0"/>
+              </a:rPr>
+              <a:t> </a:t>
+            </a:r>
+            <a:r>
+              <a:rPr lang="en-GB" sz="1600" i="1" dirty="0">
+                <a:solidFill>
+                  <a:schemeClr val="bg1"/>
+                </a:solidFill>
+                <a:effectLst/>
+                <a:latin typeface="Arial Narrow" panose="020B0604020202020204" pitchFamily="34" charset="0"/>
+                <a:cs typeface="Arial Narrow" panose="020B0604020202020204" pitchFamily="34" charset="0"/>
+              </a:rPr>
+              <a:t>a more challenging one. Also, I have to practice a lot of</a:t>
+            </a:r>
+            <a:r>
+              <a:rPr lang="en-GB" sz="1600" i="1" dirty="0">
+                <a:solidFill>
+                  <a:schemeClr val="bg1"/>
+                </a:solidFill>
+                <a:latin typeface="Arial Narrow" panose="020B0604020202020204" pitchFamily="34" charset="0"/>
+                <a:cs typeface="Arial Narrow" panose="020B0604020202020204" pitchFamily="34" charset="0"/>
+              </a:rPr>
+              <a:t> </a:t>
+            </a:r>
+            <a:r>
+              <a:rPr lang="en-GB" sz="1600" i="1" dirty="0">
+                <a:solidFill>
+                  <a:schemeClr val="bg1"/>
+                </a:solidFill>
+                <a:effectLst/>
+                <a:latin typeface="Arial Narrow" panose="020B0604020202020204" pitchFamily="34" charset="0"/>
+                <a:cs typeface="Arial Narrow" panose="020B0604020202020204" pitchFamily="34" charset="0"/>
+              </a:rPr>
+              <a:t>unnecessary stuff like names and cities. A lot of practices are</a:t>
+            </a:r>
+            <a:r>
+              <a:rPr lang="en-GB" sz="1600" i="1" dirty="0">
+                <a:solidFill>
+                  <a:schemeClr val="bg1"/>
+                </a:solidFill>
+                <a:latin typeface="Arial Narrow" panose="020B0604020202020204" pitchFamily="34" charset="0"/>
+                <a:cs typeface="Arial Narrow" panose="020B0604020202020204" pitchFamily="34" charset="0"/>
+              </a:rPr>
+              <a:t> </a:t>
+            </a:r>
+            <a:r>
+              <a:rPr lang="en-GB" sz="1600" i="1" dirty="0">
+                <a:solidFill>
+                  <a:schemeClr val="bg1"/>
+                </a:solidFill>
+                <a:effectLst/>
+                <a:latin typeface="Arial Narrow" panose="020B0604020202020204" pitchFamily="34" charset="0"/>
+                <a:cs typeface="Arial Narrow" panose="020B0604020202020204" pitchFamily="34" charset="0"/>
+              </a:rPr>
+              <a:t>highly redundant, so I think I waste a lot of time practicing</a:t>
+            </a:r>
+            <a:r>
+              <a:rPr lang="en-GB" sz="1600" i="1" dirty="0">
+                <a:solidFill>
+                  <a:schemeClr val="bg1"/>
+                </a:solidFill>
+                <a:latin typeface="Arial Narrow" panose="020B0604020202020204" pitchFamily="34" charset="0"/>
+                <a:cs typeface="Arial Narrow" panose="020B0604020202020204" pitchFamily="34" charset="0"/>
+              </a:rPr>
+              <a:t> </a:t>
+            </a:r>
+            <a:r>
+              <a:rPr lang="en-GB" sz="1600" i="1" dirty="0">
+                <a:solidFill>
+                  <a:schemeClr val="bg1"/>
+                </a:solidFill>
+                <a:effectLst/>
+                <a:latin typeface="Arial Narrow" panose="020B0604020202020204" pitchFamily="34" charset="0"/>
+                <a:cs typeface="Arial Narrow" panose="020B0604020202020204" pitchFamily="34" charset="0"/>
+              </a:rPr>
+              <a:t>easy and unnecessary stuff. Furthermore, I have no choice in</a:t>
+            </a:r>
+            <a:r>
+              <a:rPr lang="en-GB" sz="1600" i="1" dirty="0">
+                <a:solidFill>
+                  <a:schemeClr val="bg1"/>
+                </a:solidFill>
+                <a:latin typeface="Arial Narrow" panose="020B0604020202020204" pitchFamily="34" charset="0"/>
+                <a:cs typeface="Arial Narrow" panose="020B0604020202020204" pitchFamily="34" charset="0"/>
+              </a:rPr>
+              <a:t> </a:t>
+            </a:r>
+            <a:r>
+              <a:rPr lang="en-GB" sz="1600" i="1" dirty="0">
+                <a:solidFill>
+                  <a:schemeClr val="bg1"/>
+                </a:solidFill>
+                <a:effectLst/>
+                <a:latin typeface="Arial Narrow" panose="020B0604020202020204" pitchFamily="34" charset="0"/>
+                <a:cs typeface="Arial Narrow" panose="020B0604020202020204" pitchFamily="34" charset="0"/>
+              </a:rPr>
+              <a:t>what to practice. All in all, it’s not the most efficient.” English learning app</a:t>
+            </a:r>
+          </a:p>
+        </p:txBody>
+      </p:sp>
+      <p:sp>
+        <p:nvSpPr>
+          <p:cNvPr id="9" name="TextBox 8">
+            <a:extLst>
+              <a:ext uri="{FF2B5EF4-FFF2-40B4-BE49-F238E27FC236}">
+                <a16:creationId xmlns:a16="http://schemas.microsoft.com/office/drawing/2014/main" id="{91D79778-56DB-7133-8675-05FB2BC17235}"/>
+              </a:ext>
+            </a:extLst>
+          </p:cNvPr>
+          <p:cNvSpPr txBox="1"/>
+          <p:nvPr/>
+        </p:nvSpPr>
+        <p:spPr>
+          <a:xfrm>
+            <a:off x="265471" y="3874328"/>
+            <a:ext cx="4758813" cy="1569660"/>
+          </a:xfrm>
+          <a:prstGeom prst="rect">
+            <a:avLst/>
+          </a:prstGeom>
+          <a:solidFill>
+            <a:schemeClr val="tx1"/>
+          </a:solidFill>
+        </p:spPr>
+        <p:txBody>
+          <a:bodyPr wrap="square" rtlCol="0">
+            <a:spAutoFit/>
+          </a:bodyPr>
+          <a:lstStyle/>
+          <a:p>
+            <a:pPr algn="just"/>
+            <a:r>
+              <a:rPr lang="en-GB" sz="1600" i="1" dirty="0">
+                <a:solidFill>
+                  <a:schemeClr val="bg1"/>
+                </a:solidFill>
+                <a:latin typeface="Arial Narrow" panose="020B0604020202020204" pitchFamily="34" charset="0"/>
+                <a:cs typeface="Arial Narrow" panose="020B0604020202020204" pitchFamily="34" charset="0"/>
+              </a:rPr>
+              <a:t>“This app is complete literal trash It cant even recognize an extremely simple variable equation system properly much less solve it Leave the image recognition to the big boys like Google and Microsoft, You’re an embarrassment to society and to yourselves.” – Image recognition</a:t>
+            </a:r>
+          </a:p>
+          <a:p>
+            <a:endParaRPr lang="en-US" sz="1600" dirty="0"/>
+          </a:p>
+        </p:txBody>
+      </p:sp>
+      <p:sp>
+        <p:nvSpPr>
+          <p:cNvPr id="10" name="TextBox 9">
+            <a:extLst>
+              <a:ext uri="{FF2B5EF4-FFF2-40B4-BE49-F238E27FC236}">
+                <a16:creationId xmlns:a16="http://schemas.microsoft.com/office/drawing/2014/main" id="{77EC7508-3ED2-7DAE-44D0-CC886C292B3D}"/>
+              </a:ext>
+            </a:extLst>
+          </p:cNvPr>
+          <p:cNvSpPr txBox="1"/>
+          <p:nvPr/>
+        </p:nvSpPr>
+        <p:spPr>
+          <a:xfrm>
+            <a:off x="1960986" y="5747858"/>
+            <a:ext cx="6913175" cy="923330"/>
+          </a:xfrm>
+          <a:prstGeom prst="rect">
+            <a:avLst/>
+          </a:prstGeom>
+          <a:solidFill>
+            <a:schemeClr val="tx1"/>
+          </a:solidFill>
+        </p:spPr>
+        <p:txBody>
+          <a:bodyPr wrap="none" rtlCol="0">
+            <a:spAutoFit/>
+          </a:bodyPr>
+          <a:lstStyle/>
+          <a:p>
+            <a:r>
+              <a:rPr lang="en-GB" i="1" dirty="0">
+                <a:solidFill>
+                  <a:schemeClr val="bg1"/>
+                </a:solidFill>
+                <a:latin typeface="Arial Narrow" panose="020B0604020202020204" pitchFamily="34" charset="0"/>
+                <a:cs typeface="Arial Narrow" panose="020B0604020202020204" pitchFamily="34" charset="0"/>
+              </a:rPr>
+              <a:t>“As long as this app does not solve the Gau Algorithm, it is worthless for me.</a:t>
+            </a:r>
+          </a:p>
+          <a:p>
+            <a:r>
+              <a:rPr lang="en-GB" i="1" dirty="0">
+                <a:solidFill>
+                  <a:schemeClr val="bg1"/>
+                </a:solidFill>
+                <a:latin typeface="Arial Narrow" panose="020B0604020202020204" pitchFamily="34" charset="0"/>
+                <a:cs typeface="Arial Narrow" panose="020B0604020202020204" pitchFamily="34" charset="0"/>
+              </a:rPr>
+              <a:t>Can’t read matrix integrals or equations with more than one variable. Total trash.”</a:t>
+            </a:r>
+          </a:p>
+          <a:p>
+            <a:r>
+              <a:rPr lang="en-US" i="1" dirty="0">
+                <a:solidFill>
+                  <a:schemeClr val="bg1"/>
+                </a:solidFill>
+                <a:latin typeface="Arial Narrow" panose="020B0604020202020204" pitchFamily="34" charset="0"/>
+                <a:cs typeface="Arial Narrow" panose="020B0604020202020204" pitchFamily="34" charset="0"/>
+              </a:rPr>
+              <a:t>- Image recognition</a:t>
+            </a:r>
+          </a:p>
+        </p:txBody>
+      </p:sp>
+      <p:sp>
+        <p:nvSpPr>
+          <p:cNvPr id="11" name="TextBox 10">
+            <a:extLst>
+              <a:ext uri="{FF2B5EF4-FFF2-40B4-BE49-F238E27FC236}">
+                <a16:creationId xmlns:a16="http://schemas.microsoft.com/office/drawing/2014/main" id="{9FA1E3C0-373E-7658-55C8-46AC6B57408E}"/>
+              </a:ext>
+            </a:extLst>
+          </p:cNvPr>
+          <p:cNvSpPr txBox="1"/>
+          <p:nvPr/>
+        </p:nvSpPr>
+        <p:spPr>
+          <a:xfrm>
+            <a:off x="5673213" y="275303"/>
+            <a:ext cx="3352800" cy="1138773"/>
+          </a:xfrm>
+          <a:prstGeom prst="rect">
+            <a:avLst/>
+          </a:prstGeom>
+          <a:noFill/>
+        </p:spPr>
+        <p:txBody>
+          <a:bodyPr wrap="square" rtlCol="0">
+            <a:spAutoFit/>
+          </a:bodyPr>
+          <a:lstStyle/>
+          <a:p>
+            <a:r>
+              <a:rPr lang="en-US" sz="2000" dirty="0"/>
+              <a:t> </a:t>
+            </a:r>
+            <a:r>
+              <a:rPr kumimoji="0" lang="en-GB" sz="3400" b="1" i="0" u="none" strike="noStrike" kern="1200" cap="all" spc="0" normalizeH="0" baseline="0" noProof="0" dirty="0">
+                <a:ln>
+                  <a:noFill/>
+                </a:ln>
+                <a:solidFill>
+                  <a:prstClr val="white"/>
+                </a:solidFill>
+                <a:effectLst/>
+                <a:uLnTx/>
+                <a:uFillTx/>
+                <a:latin typeface="Bookman Old Style" panose="02050604050505020204"/>
+                <a:ea typeface="+mj-ea"/>
+                <a:cs typeface="+mj-cs"/>
+              </a:rPr>
+              <a:t>AI App Reviews</a:t>
+            </a:r>
+            <a:endParaRPr lang="en-US" sz="2000" dirty="0"/>
           </a:p>
         </p:txBody>
       </p:sp>
     </p:spTree>
     <p:extLst>
       <p:ext uri="{BB962C8B-B14F-4D97-AF65-F5344CB8AC3E}">
-        <p14:creationId xmlns:p14="http://schemas.microsoft.com/office/powerpoint/2010/main" val="1490451343"/>
+        <p14:creationId xmlns:p14="http://schemas.microsoft.com/office/powerpoint/2010/main" val="772339327"/>
       </p:ext>
     </p:extLst>
   </p:cSld>
@@ -6752,6 +6717,573 @@
 </file>
 
 <file path=ppt/slides/slide12.xml><?xml version="1.0" encoding="utf-8"?>
+<p:sld xmlns:a="http://schemas.openxmlformats.org/drawingml/2006/main" xmlns:r="http://schemas.openxmlformats.org/officeDocument/2006/relationships" xmlns:p="http://schemas.openxmlformats.org/presentationml/2006/main">
+  <p:cSld>
+    <p:bg>
+      <p:bgPr>
+        <a:blipFill rotWithShape="1">
+          <a:blip r:embed="rId2">
+            <a:duotone>
+              <a:schemeClr val="bg2">
+                <a:shade val="18000"/>
+                <a:satMod val="160000"/>
+                <a:lumMod val="28000"/>
+              </a:schemeClr>
+              <a:schemeClr val="bg2">
+                <a:tint val="95000"/>
+                <a:satMod val="160000"/>
+                <a:lumMod val="116000"/>
+              </a:schemeClr>
+            </a:duotone>
+          </a:blip>
+          <a:stretch/>
+        </a:blipFill>
+        <a:effectLst/>
+      </p:bgPr>
+    </p:bg>
+    <p:spTree>
+      <p:nvGrpSpPr>
+        <p:cNvPr id="1" name=""/>
+        <p:cNvGrpSpPr/>
+        <p:nvPr/>
+      </p:nvGrpSpPr>
+      <p:grpSpPr>
+        <a:xfrm>
+          <a:off x="0" y="0"/>
+          <a:ext cx="0" cy="0"/>
+          <a:chOff x="0" y="0"/>
+          <a:chExt cx="0" cy="0"/>
+        </a:xfrm>
+      </p:grpSpPr>
+      <p:sp>
+        <p:nvSpPr>
+          <p:cNvPr id="12" name="Rectangle 11">
+            <a:extLst>
+              <a:ext uri="{FF2B5EF4-FFF2-40B4-BE49-F238E27FC236}">
+                <a16:creationId xmlns:a16="http://schemas.microsoft.com/office/drawing/2014/main" id="{8AAB951F-3657-4C8D-BE7B-83B81668EB71}"/>
+              </a:ext>
+              <a:ext uri="{C183D7F6-B498-43B3-948B-1728B52AA6E4}">
+                <adec:decorative xmlns:adec="http://schemas.microsoft.com/office/drawing/2017/decorative" val="1"/>
+              </a:ext>
+            </a:extLst>
+          </p:cNvPr>
+          <p:cNvSpPr>
+            <a:spLocks noGrp="1" noRot="1" noChangeAspect="1" noMove="1" noResize="1" noEditPoints="1" noAdjustHandles="1" noChangeArrowheads="1" noChangeShapeType="1" noTextEdit="1"/>
+          </p:cNvSpPr>
+          <p:nvPr>
+            <p:extLst>
+              <p:ext uri="{386F3935-93C4-4BCD-93E2-E3B085C9AB24}">
+                <p16:designElem xmlns:p16="http://schemas.microsoft.com/office/powerpoint/2015/main" val="1"/>
+              </p:ext>
+            </p:extLst>
+          </p:nvPr>
+        </p:nvSpPr>
+        <p:spPr>
+          <a:xfrm>
+            <a:off x="3044951" y="0"/>
+            <a:ext cx="6099049" cy="6858000"/>
+          </a:xfrm>
+          <a:prstGeom prst="rect">
+            <a:avLst/>
+          </a:prstGeom>
+          <a:solidFill>
+            <a:srgbClr val="FFFFFF"/>
+          </a:solidFill>
+          <a:ln>
+            <a:noFill/>
+          </a:ln>
+        </p:spPr>
+        <p:style>
+          <a:lnRef idx="2">
+            <a:schemeClr val="accent1">
+              <a:shade val="50000"/>
+            </a:schemeClr>
+          </a:lnRef>
+          <a:fillRef idx="1">
+            <a:schemeClr val="accent1"/>
+          </a:fillRef>
+          <a:effectRef idx="0">
+            <a:schemeClr val="accent1"/>
+          </a:effectRef>
+          <a:fontRef idx="minor">
+            <a:schemeClr val="lt1"/>
+          </a:fontRef>
+        </p:style>
+        <p:txBody>
+          <a:bodyPr rtlCol="0" anchor="ctr"/>
+          <a:lstStyle/>
+          <a:p>
+            <a:pPr algn="ctr"/>
+            <a:endParaRPr lang="en-US"/>
+          </a:p>
+        </p:txBody>
+      </p:sp>
+      <p:sp>
+        <p:nvSpPr>
+          <p:cNvPr id="14" name="Rectangle 13">
+            <a:extLst>
+              <a:ext uri="{FF2B5EF4-FFF2-40B4-BE49-F238E27FC236}">
+                <a16:creationId xmlns:a16="http://schemas.microsoft.com/office/drawing/2014/main" id="{F0978302-176D-48C3-9C3F-93B6BA673699}"/>
+              </a:ext>
+              <a:ext uri="{C183D7F6-B498-43B3-948B-1728B52AA6E4}">
+                <adec:decorative xmlns:adec="http://schemas.microsoft.com/office/drawing/2017/decorative" val="1"/>
+              </a:ext>
+            </a:extLst>
+          </p:cNvPr>
+          <p:cNvSpPr>
+            <a:spLocks noGrp="1" noRot="1" noChangeAspect="1" noMove="1" noResize="1" noEditPoints="1" noAdjustHandles="1" noChangeArrowheads="1" noChangeShapeType="1" noTextEdit="1"/>
+          </p:cNvSpPr>
+          <p:nvPr>
+            <p:extLst>
+              <p:ext uri="{386F3935-93C4-4BCD-93E2-E3B085C9AB24}">
+                <p16:designElem xmlns:p16="http://schemas.microsoft.com/office/powerpoint/2015/main" val="1"/>
+              </p:ext>
+            </p:extLst>
+          </p:nvPr>
+        </p:nvSpPr>
+        <p:spPr>
+          <a:xfrm>
+            <a:off x="3522680" y="643467"/>
+            <a:ext cx="5143591" cy="5571066"/>
+          </a:xfrm>
+          <a:prstGeom prst="rect">
+            <a:avLst/>
+          </a:prstGeom>
+          <a:noFill/>
+          <a:ln w="12700">
+            <a:solidFill>
+              <a:schemeClr val="bg2"/>
+            </a:solidFill>
+          </a:ln>
+        </p:spPr>
+        <p:style>
+          <a:lnRef idx="2">
+            <a:schemeClr val="accent1">
+              <a:shade val="50000"/>
+            </a:schemeClr>
+          </a:lnRef>
+          <a:fillRef idx="1">
+            <a:schemeClr val="accent1"/>
+          </a:fillRef>
+          <a:effectRef idx="0">
+            <a:schemeClr val="accent1"/>
+          </a:effectRef>
+          <a:fontRef idx="minor">
+            <a:schemeClr val="lt1"/>
+          </a:fontRef>
+        </p:style>
+        <p:txBody>
+          <a:bodyPr rtlCol="0" anchor="ctr"/>
+          <a:lstStyle/>
+          <a:p>
+            <a:pPr algn="ctr"/>
+            <a:endParaRPr lang="en-US"/>
+          </a:p>
+        </p:txBody>
+      </p:sp>
+      <p:pic>
+        <p:nvPicPr>
+          <p:cNvPr id="7" name="Picture 6" descr="A screenshot of a computer&#10;&#10;AI-generated content may be incorrect.">
+            <a:extLst>
+              <a:ext uri="{FF2B5EF4-FFF2-40B4-BE49-F238E27FC236}">
+                <a16:creationId xmlns:a16="http://schemas.microsoft.com/office/drawing/2014/main" id="{967C68E1-BF4B-E2C8-6226-AA050564E6F8}"/>
+              </a:ext>
+            </a:extLst>
+          </p:cNvPr>
+          <p:cNvPicPr>
+            <a:picLocks noChangeAspect="1"/>
+          </p:cNvPicPr>
+          <p:nvPr/>
+        </p:nvPicPr>
+        <p:blipFill>
+          <a:blip r:embed="rId3"/>
+          <a:stretch>
+            <a:fillRect/>
+          </a:stretch>
+        </p:blipFill>
+        <p:spPr>
+          <a:xfrm>
+            <a:off x="3750914" y="1214336"/>
+            <a:ext cx="4687122" cy="4429328"/>
+          </a:xfrm>
+          <a:prstGeom prst="rect">
+            <a:avLst/>
+          </a:prstGeom>
+        </p:spPr>
+      </p:pic>
+      <p:sp>
+        <p:nvSpPr>
+          <p:cNvPr id="8" name="TextBox 7">
+            <a:extLst>
+              <a:ext uri="{FF2B5EF4-FFF2-40B4-BE49-F238E27FC236}">
+                <a16:creationId xmlns:a16="http://schemas.microsoft.com/office/drawing/2014/main" id="{6EAE854A-D78D-AE70-D37B-7030A8090B5F}"/>
+              </a:ext>
+            </a:extLst>
+          </p:cNvPr>
+          <p:cNvSpPr txBox="1"/>
+          <p:nvPr/>
+        </p:nvSpPr>
+        <p:spPr>
+          <a:xfrm>
+            <a:off x="901522" y="1214336"/>
+            <a:ext cx="655949" cy="6272011"/>
+          </a:xfrm>
+          <a:prstGeom prst="rect">
+            <a:avLst/>
+          </a:prstGeom>
+          <a:noFill/>
+        </p:spPr>
+        <p:txBody>
+          <a:bodyPr vert="wordArtVert" wrap="square" rtlCol="0">
+            <a:spAutoFit/>
+          </a:bodyPr>
+          <a:lstStyle/>
+          <a:p>
+            <a:r>
+              <a:rPr lang="en-US" sz="2800" dirty="0">
+                <a:latin typeface="+mj-lt"/>
+              </a:rPr>
+              <a:t>Opinions</a:t>
+            </a:r>
+          </a:p>
+        </p:txBody>
+      </p:sp>
+    </p:spTree>
+    <p:extLst>
+      <p:ext uri="{BB962C8B-B14F-4D97-AF65-F5344CB8AC3E}">
+        <p14:creationId xmlns:p14="http://schemas.microsoft.com/office/powerpoint/2010/main" val="1462361097"/>
+      </p:ext>
+    </p:extLst>
+  </p:cSld>
+  <p:clrMapOvr>
+    <a:masterClrMapping/>
+  </p:clrMapOvr>
+</p:sld>
+</file>
+
+<file path=ppt/slides/slide13.xml><?xml version="1.0" encoding="utf-8"?>
+<p:sld xmlns:a="http://schemas.openxmlformats.org/drawingml/2006/main" xmlns:r="http://schemas.openxmlformats.org/officeDocument/2006/relationships" xmlns:p="http://schemas.openxmlformats.org/presentationml/2006/main">
+  <p:cSld>
+    <p:bg>
+      <p:bgPr>
+        <a:blipFill rotWithShape="1">
+          <a:blip r:embed="rId2">
+            <a:duotone>
+              <a:schemeClr val="bg2">
+                <a:shade val="18000"/>
+                <a:satMod val="160000"/>
+                <a:lumMod val="28000"/>
+              </a:schemeClr>
+              <a:schemeClr val="bg2">
+                <a:tint val="95000"/>
+                <a:satMod val="160000"/>
+                <a:lumMod val="116000"/>
+              </a:schemeClr>
+            </a:duotone>
+          </a:blip>
+          <a:stretch/>
+        </a:blipFill>
+        <a:effectLst/>
+      </p:bgPr>
+    </p:bg>
+    <p:spTree>
+      <p:nvGrpSpPr>
+        <p:cNvPr id="1" name="">
+          <a:extLst>
+            <a:ext uri="{FF2B5EF4-FFF2-40B4-BE49-F238E27FC236}">
+              <a16:creationId xmlns:a16="http://schemas.microsoft.com/office/drawing/2014/main" id="{B4D4C83C-B198-613A-F154-8E10A18D5205}"/>
+            </a:ext>
+          </a:extLst>
+        </p:cNvPr>
+        <p:cNvGrpSpPr/>
+        <p:nvPr/>
+      </p:nvGrpSpPr>
+      <p:grpSpPr>
+        <a:xfrm>
+          <a:off x="0" y="0"/>
+          <a:ext cx="0" cy="0"/>
+          <a:chOff x="0" y="0"/>
+          <a:chExt cx="0" cy="0"/>
+        </a:xfrm>
+      </p:grpSpPr>
+      <p:sp>
+        <p:nvSpPr>
+          <p:cNvPr id="8" name="TextBox 7">
+            <a:extLst>
+              <a:ext uri="{FF2B5EF4-FFF2-40B4-BE49-F238E27FC236}">
+                <a16:creationId xmlns:a16="http://schemas.microsoft.com/office/drawing/2014/main" id="{776C0545-AEA7-0021-90CC-24A8B071DFC5}"/>
+              </a:ext>
+            </a:extLst>
+          </p:cNvPr>
+          <p:cNvSpPr txBox="1"/>
+          <p:nvPr/>
+        </p:nvSpPr>
+        <p:spPr>
+          <a:xfrm>
+            <a:off x="966746" y="1311713"/>
+            <a:ext cx="2521123" cy="4028512"/>
+          </a:xfrm>
+          <a:prstGeom prst="rect">
+            <a:avLst/>
+          </a:prstGeom>
+        </p:spPr>
+        <p:txBody>
+          <a:bodyPr vert="wordArtVert" lIns="91440" tIns="45720" rIns="91440" bIns="45720" rtlCol="0">
+            <a:normAutofit/>
+          </a:bodyPr>
+          <a:lstStyle/>
+          <a:p>
+            <a:pPr marL="0" marR="0" lvl="0" indent="0" algn="l" defTabSz="457200" rtl="0" eaLnBrk="1" fontAlgn="auto" latinLnBrk="0" hangingPunct="1">
+              <a:lnSpc>
+                <a:spcPct val="100000"/>
+              </a:lnSpc>
+              <a:spcBef>
+                <a:spcPts val="0"/>
+              </a:spcBef>
+              <a:spcAft>
+                <a:spcPts val="0"/>
+              </a:spcAft>
+              <a:buClrTx/>
+              <a:buSzTx/>
+              <a:buFontTx/>
+              <a:buNone/>
+              <a:tabLst/>
+              <a:defRPr/>
+            </a:pPr>
+            <a:r>
+              <a:rPr kumimoji="0" lang="en-US" sz="2800" b="0" i="0" u="none" strike="noStrike" kern="1200" cap="none" spc="0" normalizeH="0" baseline="0" noProof="0" dirty="0">
+                <a:ln>
+                  <a:noFill/>
+                </a:ln>
+                <a:solidFill>
+                  <a:prstClr val="white"/>
+                </a:solidFill>
+                <a:effectLst/>
+                <a:uLnTx/>
+                <a:uFillTx/>
+                <a:latin typeface="Bookman Old Style" panose="02050604050505020204"/>
+                <a:ea typeface="+mn-ea"/>
+                <a:cs typeface="+mn-cs"/>
+              </a:rPr>
+              <a:t>Opinions</a:t>
+            </a:r>
+          </a:p>
+          <a:p>
+            <a:pPr defTabSz="914400">
+              <a:lnSpc>
+                <a:spcPct val="120000"/>
+              </a:lnSpc>
+              <a:spcAft>
+                <a:spcPts val="600"/>
+              </a:spcAft>
+            </a:pPr>
+            <a:endParaRPr lang="en-US" sz="1200" dirty="0">
+              <a:effectLst>
+                <a:outerShdw blurRad="50800" dist="38100" dir="2700000" algn="tl" rotWithShape="0">
+                  <a:srgbClr val="000000">
+                    <a:alpha val="48000"/>
+                  </a:srgbClr>
+                </a:outerShdw>
+              </a:effectLst>
+            </a:endParaRPr>
+          </a:p>
+        </p:txBody>
+      </p:sp>
+      <p:sp>
+        <p:nvSpPr>
+          <p:cNvPr id="13" name="Rectangle 12">
+            <a:extLst>
+              <a:ext uri="{FF2B5EF4-FFF2-40B4-BE49-F238E27FC236}">
+                <a16:creationId xmlns:a16="http://schemas.microsoft.com/office/drawing/2014/main" id="{B1007713-5891-46A9-BACA-FAD760FE2353}"/>
+              </a:ext>
+              <a:ext uri="{C183D7F6-B498-43B3-948B-1728B52AA6E4}">
+                <adec:decorative xmlns:adec="http://schemas.microsoft.com/office/drawing/2017/decorative" val="1"/>
+              </a:ext>
+            </a:extLst>
+          </p:cNvPr>
+          <p:cNvSpPr>
+            <a:spLocks noGrp="1" noRot="1" noChangeAspect="1" noMove="1" noResize="1" noEditPoints="1" noAdjustHandles="1" noChangeArrowheads="1" noChangeShapeType="1" noTextEdit="1"/>
+          </p:cNvSpPr>
+          <p:nvPr>
+            <p:extLst>
+              <p:ext uri="{386F3935-93C4-4BCD-93E2-E3B085C9AB24}">
+                <p16:designElem xmlns:p16="http://schemas.microsoft.com/office/powerpoint/2015/main" val="1"/>
+              </p:ext>
+            </p:extLst>
+          </p:nvPr>
+        </p:nvSpPr>
+        <p:spPr>
+          <a:xfrm>
+            <a:off x="3569094" y="733425"/>
+            <a:ext cx="5022057" cy="5391150"/>
+          </a:xfrm>
+          <a:prstGeom prst="rect">
+            <a:avLst/>
+          </a:prstGeom>
+          <a:solidFill>
+            <a:schemeClr val="bg2">
+              <a:lumMod val="75000"/>
+            </a:schemeClr>
+          </a:solidFill>
+          <a:ln w="190500" cap="sq">
+            <a:solidFill>
+              <a:schemeClr val="bg2">
+                <a:lumMod val="75000"/>
+              </a:schemeClr>
+            </a:solidFill>
+            <a:miter lim="800000"/>
+          </a:ln>
+          <a:effectLst>
+            <a:outerShdw blurRad="54991" dist="17780" dir="5400000" algn="ctr" rotWithShape="0">
+              <a:schemeClr val="bg1">
+                <a:alpha val="40000"/>
+              </a:schemeClr>
+            </a:outerShdw>
+          </a:effectLst>
+          <a:scene3d>
+            <a:camera prst="orthographicFront"/>
+            <a:lightRig rig="twoPt" dir="t">
+              <a:rot lat="0" lon="0" rev="7200000"/>
+            </a:lightRig>
+          </a:scene3d>
+          <a:sp3d>
+            <a:bevelT w="25400" h="19050"/>
+          </a:sp3d>
+        </p:spPr>
+        <p:style>
+          <a:lnRef idx="2">
+            <a:schemeClr val="accent1">
+              <a:shade val="50000"/>
+            </a:schemeClr>
+          </a:lnRef>
+          <a:fillRef idx="1">
+            <a:schemeClr val="accent1"/>
+          </a:fillRef>
+          <a:effectRef idx="0">
+            <a:schemeClr val="accent1"/>
+          </a:effectRef>
+          <a:fontRef idx="minor">
+            <a:schemeClr val="lt1"/>
+          </a:fontRef>
+        </p:style>
+        <p:txBody>
+          <a:bodyPr rtlCol="0" anchor="ctr"/>
+          <a:lstStyle/>
+          <a:p>
+            <a:pPr algn="ctr"/>
+            <a:endParaRPr lang="en-US"/>
+          </a:p>
+        </p:txBody>
+      </p:sp>
+      <p:sp>
+        <p:nvSpPr>
+          <p:cNvPr id="15" name="Rectangle 14">
+            <a:extLst>
+              <a:ext uri="{FF2B5EF4-FFF2-40B4-BE49-F238E27FC236}">
+                <a16:creationId xmlns:a16="http://schemas.microsoft.com/office/drawing/2014/main" id="{74BB6AA7-7EAD-4D3B-9335-B6E8BD7E6891}"/>
+              </a:ext>
+              <a:ext uri="{C183D7F6-B498-43B3-948B-1728B52AA6E4}">
+                <adec:decorative xmlns:adec="http://schemas.microsoft.com/office/drawing/2017/decorative" val="1"/>
+              </a:ext>
+            </a:extLst>
+          </p:cNvPr>
+          <p:cNvSpPr>
+            <a:spLocks noGrp="1" noRot="1" noChangeAspect="1" noMove="1" noResize="1" noEditPoints="1" noAdjustHandles="1" noChangeArrowheads="1" noChangeShapeType="1" noTextEdit="1"/>
+          </p:cNvSpPr>
+          <p:nvPr>
+            <p:extLst>
+              <p:ext uri="{386F3935-93C4-4BCD-93E2-E3B085C9AB24}">
+                <p16:designElem xmlns:p16="http://schemas.microsoft.com/office/powerpoint/2015/main" val="1"/>
+              </p:ext>
+            </p:extLst>
+          </p:nvPr>
+        </p:nvSpPr>
+        <p:spPr>
+          <a:xfrm>
+            <a:off x="3617979" y="799817"/>
+            <a:ext cx="4924287" cy="5258367"/>
+          </a:xfrm>
+          <a:prstGeom prst="rect">
+            <a:avLst/>
+          </a:prstGeom>
+          <a:noFill/>
+          <a:ln w="12700">
+            <a:solidFill>
+              <a:schemeClr val="bg2"/>
+            </a:solidFill>
+          </a:ln>
+        </p:spPr>
+        <p:style>
+          <a:lnRef idx="2">
+            <a:schemeClr val="accent1">
+              <a:shade val="50000"/>
+            </a:schemeClr>
+          </a:lnRef>
+          <a:fillRef idx="1">
+            <a:schemeClr val="accent1"/>
+          </a:fillRef>
+          <a:effectRef idx="0">
+            <a:schemeClr val="accent1"/>
+          </a:effectRef>
+          <a:fontRef idx="minor">
+            <a:schemeClr val="lt1"/>
+          </a:fontRef>
+        </p:style>
+        <p:txBody>
+          <a:bodyPr rtlCol="0" anchor="ctr"/>
+          <a:lstStyle/>
+          <a:p>
+            <a:pPr algn="ctr"/>
+            <a:endParaRPr lang="en-US"/>
+          </a:p>
+        </p:txBody>
+      </p:sp>
+      <p:pic>
+        <p:nvPicPr>
+          <p:cNvPr id="2" name="Content Placeholder 3" descr="A screenshot of a web page&#10;&#10;AI-generated content may be incorrect.">
+            <a:extLst>
+              <a:ext uri="{FF2B5EF4-FFF2-40B4-BE49-F238E27FC236}">
+                <a16:creationId xmlns:a16="http://schemas.microsoft.com/office/drawing/2014/main" id="{707556F8-3419-9448-4616-D4874FD20925}"/>
+              </a:ext>
+            </a:extLst>
+          </p:cNvPr>
+          <p:cNvPicPr>
+            <a:picLocks noGrp="1" noChangeAspect="1"/>
+          </p:cNvPicPr>
+          <p:nvPr>
+            <p:ph idx="1"/>
+          </p:nvPr>
+        </p:nvPicPr>
+        <p:blipFill>
+          <a:blip r:embed="rId3"/>
+          <a:stretch>
+            <a:fillRect/>
+          </a:stretch>
+        </p:blipFill>
+        <p:spPr>
+          <a:xfrm>
+            <a:off x="3698678" y="1801845"/>
+            <a:ext cx="4762887" cy="3048247"/>
+          </a:xfrm>
+          <a:prstGeom prst="rect">
+            <a:avLst/>
+          </a:prstGeom>
+        </p:spPr>
+      </p:pic>
+    </p:spTree>
+    <p:extLst>
+      <p:ext uri="{BB962C8B-B14F-4D97-AF65-F5344CB8AC3E}">
+        <p14:creationId xmlns:p14="http://schemas.microsoft.com/office/powerpoint/2010/main" val="3784059282"/>
+      </p:ext>
+    </p:extLst>
+  </p:cSld>
+  <p:clrMapOvr>
+    <a:masterClrMapping/>
+  </p:clrMapOvr>
+</p:sld>
+</file>
+
+<file path=ppt/slides/slide14.xml><?xml version="1.0" encoding="utf-8"?>
 <p:sld xmlns:a="http://schemas.openxmlformats.org/drawingml/2006/main" xmlns:r="http://schemas.openxmlformats.org/officeDocument/2006/relationships" xmlns:p="http://schemas.openxmlformats.org/presentationml/2006/main">
   <p:cSld>
     <p:spTree>
@@ -6770,6 +7302,61 @@
       </p:grpSpPr>
       <p:sp>
         <p:nvSpPr>
+          <p:cNvPr id="6" name="Content Placeholder 5">
+            <a:extLst>
+              <a:ext uri="{FF2B5EF4-FFF2-40B4-BE49-F238E27FC236}">
+                <a16:creationId xmlns:a16="http://schemas.microsoft.com/office/drawing/2014/main" id="{A526AD55-8A67-0985-AFEE-A0B0BE8D0EC5}"/>
+              </a:ext>
+            </a:extLst>
+          </p:cNvPr>
+          <p:cNvSpPr>
+            <a:spLocks noGrp="1"/>
+          </p:cNvSpPr>
+          <p:nvPr>
+            <p:ph idx="1"/>
+          </p:nvPr>
+        </p:nvSpPr>
+        <p:spPr/>
+        <p:txBody>
+          <a:bodyPr/>
+          <a:lstStyle/>
+          <a:p>
+            <a:endParaRPr lang="en-US"/>
+          </a:p>
+        </p:txBody>
+      </p:sp>
+    </p:spTree>
+    <p:extLst>
+      <p:ext uri="{BB962C8B-B14F-4D97-AF65-F5344CB8AC3E}">
+        <p14:creationId xmlns:p14="http://schemas.microsoft.com/office/powerpoint/2010/main" val="1567366369"/>
+      </p:ext>
+    </p:extLst>
+  </p:cSld>
+  <p:clrMapOvr>
+    <a:masterClrMapping/>
+  </p:clrMapOvr>
+</p:sld>
+</file>
+
+<file path=ppt/slides/slide15.xml><?xml version="1.0" encoding="utf-8"?>
+<p:sld xmlns:a="http://schemas.openxmlformats.org/drawingml/2006/main" xmlns:r="http://schemas.openxmlformats.org/officeDocument/2006/relationships" xmlns:p="http://schemas.openxmlformats.org/presentationml/2006/main">
+  <p:cSld>
+    <p:spTree>
+      <p:nvGrpSpPr>
+        <p:cNvPr id="1" name=""/>
+        <p:cNvGrpSpPr/>
+        <p:nvPr/>
+      </p:nvGrpSpPr>
+      <p:grpSpPr>
+        <a:xfrm>
+          <a:off x="0" y="0"/>
+          <a:ext cx="0" cy="0"/>
+          <a:chOff x="0" y="0"/>
+          <a:chExt cx="0" cy="0"/>
+        </a:xfrm>
+      </p:grpSpPr>
+      <p:sp>
+        <p:nvSpPr>
           <p:cNvPr id="2" name="Title 1">
             <a:extLst>
               <a:ext uri="{FF2B5EF4-FFF2-40B4-BE49-F238E27FC236}">
@@ -6850,7 +7437,7 @@
 </p:sld>
 </file>
 
-<file path=ppt/slides/slide13.xml><?xml version="1.0" encoding="utf-8"?>
+<file path=ppt/slides/slide16.xml><?xml version="1.0" encoding="utf-8"?>
 <p:sld xmlns:a="http://schemas.openxmlformats.org/drawingml/2006/main" xmlns:r="http://schemas.openxmlformats.org/officeDocument/2006/relationships" xmlns:p="http://schemas.openxmlformats.org/presentationml/2006/main">
   <p:cSld>
     <p:spTree>
@@ -6971,7 +7558,7 @@
 </p:sld>
 </file>
 
-<file path=ppt/slides/slide14.xml><?xml version="1.0" encoding="utf-8"?>
+<file path=ppt/slides/slide17.xml><?xml version="1.0" encoding="utf-8"?>
 <p:sld xmlns:a="http://schemas.openxmlformats.org/drawingml/2006/main" xmlns:r="http://schemas.openxmlformats.org/officeDocument/2006/relationships" xmlns:p="http://schemas.openxmlformats.org/presentationml/2006/main">
   <p:cSld>
     <p:spTree>
@@ -7096,7 +7683,7 @@
 </p:sld>
 </file>
 
-<file path=ppt/slides/slide15.xml><?xml version="1.0" encoding="utf-8"?>
+<file path=ppt/slides/slide18.xml><?xml version="1.0" encoding="utf-8"?>
 <p:sld xmlns:a="http://schemas.openxmlformats.org/drawingml/2006/main" xmlns:r="http://schemas.openxmlformats.org/officeDocument/2006/relationships" xmlns:p="http://schemas.openxmlformats.org/presentationml/2006/main">
   <p:cSld>
     <p:spTree>
@@ -7221,7 +7808,7 @@
 </p:sld>
 </file>
 
-<file path=ppt/slides/slide16.xml><?xml version="1.0" encoding="utf-8"?>
+<file path=ppt/slides/slide19.xml><?xml version="1.0" encoding="utf-8"?>
 <p:sld xmlns:a="http://schemas.openxmlformats.org/drawingml/2006/main" xmlns:r="http://schemas.openxmlformats.org/officeDocument/2006/relationships" xmlns:p="http://schemas.openxmlformats.org/presentationml/2006/main">
   <p:cSld>
     <p:spTree>
@@ -7229,7 +7816,7 @@
         <p:cNvPr id="1" name="">
           <a:extLst>
             <a:ext uri="{FF2B5EF4-FFF2-40B4-BE49-F238E27FC236}">
-              <a16:creationId xmlns:a16="http://schemas.microsoft.com/office/drawing/2014/main" id="{745ECB09-1D90-94B7-D73C-7EC08EED18A8}"/>
+              <a16:creationId xmlns:a16="http://schemas.microsoft.com/office/drawing/2014/main" id="{C9B616EE-90FD-F8B0-A525-876FDBC1D9A1}"/>
             </a:ext>
           </a:extLst>
         </p:cNvPr>
@@ -7249,7 +7836,7 @@
           <p:cNvPr id="2" name="Title 1">
             <a:extLst>
               <a:ext uri="{FF2B5EF4-FFF2-40B4-BE49-F238E27FC236}">
-                <a16:creationId xmlns:a16="http://schemas.microsoft.com/office/drawing/2014/main" id="{50BEC35C-073B-171B-FB6C-B4D9F79254A9}"/>
+                <a16:creationId xmlns:a16="http://schemas.microsoft.com/office/drawing/2014/main" id="{E74455CB-3E8B-0E17-CCB5-DAB133CC1C6E}"/>
               </a:ext>
             </a:extLst>
           </p:cNvPr>
@@ -7260,30 +7847,25 @@
             <p:ph type="title"/>
           </p:nvPr>
         </p:nvSpPr>
-        <p:spPr>
-          <a:xfrm>
-            <a:off x="3162314" y="567269"/>
-            <a:ext cx="3150053" cy="1326321"/>
-          </a:xfrm>
-        </p:spPr>
+        <p:spPr/>
         <p:txBody>
           <a:bodyPr/>
           <a:lstStyle/>
           <a:p>
             <a:r>
-              <a:rPr lang="en-US" dirty="0"/>
-              <a:t>Thank You</a:t>
-            </a:r>
-            <a:endParaRPr dirty="0"/>
-          </a:p>
-        </p:txBody>
-      </p:sp>
-      <p:sp>
-        <p:nvSpPr>
-          <p:cNvPr id="3" name="Content Placeholder 2">
+              <a:rPr lang="en-US" dirty="0" err="1"/>
+              <a:t>REferences</a:t>
+            </a:r>
+            <a:endParaRPr lang="en-GB" dirty="0"/>
+          </a:p>
+        </p:txBody>
+      </p:sp>
+      <p:sp>
+        <p:nvSpPr>
+          <p:cNvPr id="4" name="Content Placeholder 3">
             <a:extLst>
               <a:ext uri="{FF2B5EF4-FFF2-40B4-BE49-F238E27FC236}">
-                <a16:creationId xmlns:a16="http://schemas.microsoft.com/office/drawing/2014/main" id="{C2444B57-A428-5173-3813-88FE2A8ABB74}"/>
+                <a16:creationId xmlns:a16="http://schemas.microsoft.com/office/drawing/2014/main" id="{795E54F7-D8E2-77CC-2D3D-925CA483F57B}"/>
               </a:ext>
             </a:extLst>
           </p:cNvPr>
@@ -7294,33 +7876,122 @@
             <p:ph idx="1"/>
           </p:nvPr>
         </p:nvSpPr>
-        <p:spPr>
-          <a:xfrm>
-            <a:off x="854679" y="2315650"/>
-            <a:ext cx="7765322" cy="1654669"/>
-          </a:xfrm>
-        </p:spPr>
+        <p:spPr/>
         <p:txBody>
           <a:bodyPr>
-            <a:normAutofit/>
+            <a:normAutofit fontScale="62500" lnSpcReduction="20000"/>
           </a:bodyPr>
           <a:lstStyle/>
           <a:p>
+            <a:r>
+              <a:rPr lang="en-GB" dirty="0" err="1">
+                <a:effectLst/>
+              </a:rPr>
+              <a:t>Alsanousi</a:t>
+            </a:r>
+            <a:r>
+              <a:rPr lang="en-GB" dirty="0">
+                <a:effectLst/>
+              </a:rPr>
+              <a:t>, B., Abdulmohsen, A. S., &amp; Do, H. (2023). Investigating the User Experience and Evaluating Usability Issues in AI-Enabled Learning Mobile Apps: An Analysis of User Reviews.</a:t>
+            </a:r>
+          </a:p>
+          <a:p>
+            <a:r>
+              <a:rPr lang="en-GB" dirty="0">
+                <a:effectLst/>
+              </a:rPr>
+              <a:t>Jin, S.‑H., </a:t>
+            </a:r>
+            <a:r>
+              <a:rPr lang="en-GB" dirty="0" err="1">
+                <a:effectLst/>
+              </a:rPr>
+              <a:t>Im</a:t>
+            </a:r>
+            <a:r>
+              <a:rPr lang="en-GB" dirty="0">
+                <a:effectLst/>
+              </a:rPr>
+              <a:t>, K., Roll, I., &amp; Seo, K. (2023). Supporting students’ self-regulated learning in online learning using artificial intelligence applications.</a:t>
+            </a:r>
+          </a:p>
+          <a:p>
+            <a:r>
+              <a:rPr lang="en-GB" dirty="0">
+                <a:effectLst/>
+              </a:rPr>
+              <a:t>Lai , C.-L. (2021). Exploring University Students’ Preferences for AI-Assisted Learning Environment: A Drawing Analysis with Activity Theory Framework.</a:t>
+            </a:r>
+          </a:p>
+          <a:p>
+            <a:r>
+              <a:rPr lang="en-GB" dirty="0">
+                <a:effectLst/>
+              </a:rPr>
+              <a:t>Mahendra, M., </a:t>
+            </a:r>
+            <a:r>
+              <a:rPr lang="en-GB" dirty="0" err="1">
+                <a:effectLst/>
+              </a:rPr>
+              <a:t>Nurkamilah</a:t>
+            </a:r>
+            <a:r>
+              <a:rPr lang="en-GB" dirty="0">
+                <a:effectLst/>
+              </a:rPr>
+              <a:t>, N., &amp; Sari, C. (2023). Artificial-Intelligence powered App as learning aid in improving learning autonomy: Students’ perspective .</a:t>
+            </a:r>
+          </a:p>
+          <a:p>
+            <a:r>
+              <a:rPr lang="en-GB" dirty="0">
+                <a:effectLst/>
+              </a:rPr>
+              <a:t>Rahman , M., Hossain , M., Ismail , N., Hossen, M., &amp; Sultana, M. (2025). Determinants of students’ adoption of AI chatbots in higher education: the moderating role of tech readiness.</a:t>
+            </a:r>
+          </a:p>
+          <a:p>
+            <a:r>
+              <a:rPr lang="en-GB" dirty="0">
+                <a:effectLst/>
+              </a:rPr>
+              <a:t>Rehman, M., Ismail, N., Hossen, M., &amp; Hossain, M. (2025). Students’ mindset to adopt AI chatbots for effectiveness of online learning in higher education.</a:t>
+            </a:r>
+          </a:p>
+          <a:p>
+            <a:r>
+              <a:rPr lang="en-GB" dirty="0">
+                <a:effectLst/>
+              </a:rPr>
+              <a:t>Stohr, C., Ou, A., &amp; </a:t>
+            </a:r>
+            <a:r>
+              <a:rPr lang="en-GB" dirty="0" err="1">
+                <a:effectLst/>
+              </a:rPr>
+              <a:t>Malmstr</a:t>
+            </a:r>
+            <a:r>
+              <a:rPr lang="en-GB" dirty="0">
+                <a:effectLst/>
+              </a:rPr>
+              <a:t>¨ , H. (2024). Perceptions and usage of AI chatbots among students in higher education across genders, academic levels and fields of study.</a:t>
+            </a:r>
+          </a:p>
+          <a:p>
             <a:pPr marL="0" indent="0">
               <a:buNone/>
             </a:pPr>
-            <a:r>
-              <a:rPr lang="en-US" sz="8000" dirty="0"/>
-              <a:t>Any Questions?</a:t>
-            </a:r>
-            <a:endParaRPr sz="8000" dirty="0"/>
+            <a:endParaRPr lang="en-US" dirty="0"/>
           </a:p>
         </p:txBody>
       </p:sp>
     </p:spTree>
     <p:extLst>
       <p:ext uri="{BB962C8B-B14F-4D97-AF65-F5344CB8AC3E}">
-        <p14:creationId xmlns:p14="http://schemas.microsoft.com/office/powerpoint/2010/main" val="2064260129"/>
+        <p14:creationId xmlns:p14="http://schemas.microsoft.com/office/powerpoint/2010/main" val="2406855257"/>
       </p:ext>
     </p:extLst>
   </p:cSld>
@@ -7622,6 +8293,115 @@
 </p:sld>
 </file>
 
+<file path=ppt/slides/slide20.xml><?xml version="1.0" encoding="utf-8"?>
+<p:sld xmlns:a="http://schemas.openxmlformats.org/drawingml/2006/main" xmlns:r="http://schemas.openxmlformats.org/officeDocument/2006/relationships" xmlns:p="http://schemas.openxmlformats.org/presentationml/2006/main">
+  <p:cSld>
+    <p:spTree>
+      <p:nvGrpSpPr>
+        <p:cNvPr id="1" name="">
+          <a:extLst>
+            <a:ext uri="{FF2B5EF4-FFF2-40B4-BE49-F238E27FC236}">
+              <a16:creationId xmlns:a16="http://schemas.microsoft.com/office/drawing/2014/main" id="{745ECB09-1D90-94B7-D73C-7EC08EED18A8}"/>
+            </a:ext>
+          </a:extLst>
+        </p:cNvPr>
+        <p:cNvGrpSpPr/>
+        <p:nvPr/>
+      </p:nvGrpSpPr>
+      <p:grpSpPr>
+        <a:xfrm>
+          <a:off x="0" y="0"/>
+          <a:ext cx="0" cy="0"/>
+          <a:chOff x="0" y="0"/>
+          <a:chExt cx="0" cy="0"/>
+        </a:xfrm>
+      </p:grpSpPr>
+      <p:sp>
+        <p:nvSpPr>
+          <p:cNvPr id="2" name="Title 1">
+            <a:extLst>
+              <a:ext uri="{FF2B5EF4-FFF2-40B4-BE49-F238E27FC236}">
+                <a16:creationId xmlns:a16="http://schemas.microsoft.com/office/drawing/2014/main" id="{50BEC35C-073B-171B-FB6C-B4D9F79254A9}"/>
+              </a:ext>
+            </a:extLst>
+          </p:cNvPr>
+          <p:cNvSpPr>
+            <a:spLocks noGrp="1"/>
+          </p:cNvSpPr>
+          <p:nvPr>
+            <p:ph type="title"/>
+          </p:nvPr>
+        </p:nvSpPr>
+        <p:spPr>
+          <a:xfrm>
+            <a:off x="3162314" y="567269"/>
+            <a:ext cx="3150053" cy="1326321"/>
+          </a:xfrm>
+        </p:spPr>
+        <p:txBody>
+          <a:bodyPr/>
+          <a:lstStyle/>
+          <a:p>
+            <a:r>
+              <a:rPr lang="en-US" dirty="0"/>
+              <a:t>Thank You</a:t>
+            </a:r>
+            <a:endParaRPr dirty="0"/>
+          </a:p>
+        </p:txBody>
+      </p:sp>
+      <p:sp>
+        <p:nvSpPr>
+          <p:cNvPr id="3" name="Content Placeholder 2">
+            <a:extLst>
+              <a:ext uri="{FF2B5EF4-FFF2-40B4-BE49-F238E27FC236}">
+                <a16:creationId xmlns:a16="http://schemas.microsoft.com/office/drawing/2014/main" id="{C2444B57-A428-5173-3813-88FE2A8ABB74}"/>
+              </a:ext>
+            </a:extLst>
+          </p:cNvPr>
+          <p:cNvSpPr>
+            <a:spLocks noGrp="1"/>
+          </p:cNvSpPr>
+          <p:nvPr>
+            <p:ph idx="1"/>
+          </p:nvPr>
+        </p:nvSpPr>
+        <p:spPr>
+          <a:xfrm>
+            <a:off x="854679" y="2315650"/>
+            <a:ext cx="7765322" cy="1654669"/>
+          </a:xfrm>
+        </p:spPr>
+        <p:txBody>
+          <a:bodyPr>
+            <a:normAutofit/>
+          </a:bodyPr>
+          <a:lstStyle/>
+          <a:p>
+            <a:pPr marL="0" indent="0">
+              <a:buNone/>
+            </a:pPr>
+            <a:r>
+              <a:rPr lang="en-US" sz="8000" dirty="0"/>
+              <a:t>Any Questions?</a:t>
+            </a:r>
+            <a:endParaRPr sz="8000" dirty="0"/>
+          </a:p>
+        </p:txBody>
+      </p:sp>
+    </p:spTree>
+    <p:extLst>
+      <p:ext uri="{BB962C8B-B14F-4D97-AF65-F5344CB8AC3E}">
+        <p14:creationId xmlns:p14="http://schemas.microsoft.com/office/powerpoint/2010/main" val="2064260129"/>
+      </p:ext>
+    </p:extLst>
+  </p:cSld>
+  <p:clrMapOvr>
+    <a:masterClrMapping/>
+  </p:clrMapOvr>
+</p:sld>
+</file>
+
 <file path=ppt/slides/slide3.xml><?xml version="1.0" encoding="utf-8"?>
 <p:sld xmlns:a="http://schemas.openxmlformats.org/drawingml/2006/main" xmlns:r="http://schemas.openxmlformats.org/officeDocument/2006/relationships" xmlns:p="http://schemas.openxmlformats.org/presentationml/2006/main">
   <p:cSld>
@@ -8283,7 +9063,7 @@
           <p:cNvPr id="2" name="Title 1">
             <a:extLst>
               <a:ext uri="{FF2B5EF4-FFF2-40B4-BE49-F238E27FC236}">
-                <a16:creationId xmlns:a16="http://schemas.microsoft.com/office/drawing/2014/main" id="{34136900-1293-E1D0-C9BD-42F7FE65C221}"/>
+                <a16:creationId xmlns:a16="http://schemas.microsoft.com/office/drawing/2014/main" id="{F8236ADD-21F6-104F-8557-3CDA85890D7D}"/>
               </a:ext>
             </a:extLst>
           </p:cNvPr>
@@ -8294,17 +9074,30 @@
             <p:ph type="title"/>
           </p:nvPr>
         </p:nvSpPr>
-        <p:spPr/>
-        <p:txBody>
-          <a:bodyPr/>
-          <a:lstStyle/>
-          <a:p>
+        <p:spPr>
+          <a:xfrm>
+            <a:off x="215777" y="599769"/>
+            <a:ext cx="8704459" cy="1326321"/>
+          </a:xfrm>
+        </p:spPr>
+        <p:txBody>
+          <a:bodyPr>
+            <a:normAutofit fontScale="90000"/>
+          </a:bodyPr>
+          <a:lstStyle/>
+          <a:p>
+            <a:pPr algn="l"/>
             <a:r>
               <a:rPr lang="en-GB" dirty="0">
                 <a:effectLst/>
               </a:rPr>
-              <a:t>Challenges and Limitations </a:t>
-            </a:r>
+              <a:t>Student Perceptions and Adoption</a:t>
+            </a:r>
+            <a:br>
+              <a:rPr lang="en-GB" dirty="0">
+                <a:effectLst/>
+              </a:rPr>
+            </a:br>
             <a:endParaRPr lang="en-US" dirty="0"/>
           </a:p>
         </p:txBody>
@@ -8314,7 +9107,7 @@
           <p:cNvPr id="3" name="Content Placeholder 2">
             <a:extLst>
               <a:ext uri="{FF2B5EF4-FFF2-40B4-BE49-F238E27FC236}">
-                <a16:creationId xmlns:a16="http://schemas.microsoft.com/office/drawing/2014/main" id="{B2776C25-A78D-D895-B107-AEF373EFC955}"/>
+                <a16:creationId xmlns:a16="http://schemas.microsoft.com/office/drawing/2014/main" id="{A29BAB89-6F4D-CBE3-E9CA-DF096B48CC4E}"/>
               </a:ext>
             </a:extLst>
           </p:cNvPr>
@@ -8333,35 +9126,38 @@
             <a:pPr lvl="0"/>
             <a:r>
               <a:rPr lang="en-GB" dirty="0"/>
-              <a:t>Ethical concerns: Plagiarism and over-reliance on AI</a:t>
+              <a:t>Social norms influence AI adoption.</a:t>
             </a:r>
           </a:p>
           <a:p>
             <a:pPr lvl="0"/>
             <a:r>
+              <a:rPr lang="en-GB" dirty="0">
+                <a:effectLst/>
+              </a:rPr>
+              <a:t>Adoption influenced by gender, academic level, and field of study.</a:t>
+            </a:r>
+          </a:p>
+          <a:p>
+            <a:r>
+              <a:rPr lang="en-GB" dirty="0">
+                <a:effectLst/>
+              </a:rPr>
+              <a:t>Concerns about AI replacing traditional teaching.</a:t>
+            </a:r>
+          </a:p>
+          <a:p>
+            <a:pPr lvl="0"/>
+            <a:r>
               <a:rPr lang="en-GB" dirty="0"/>
-              <a:t>Chatbots improve efficiency but have limited academic impact</a:t>
+              <a:t>Students value cognitive support but miss motivational aid.</a:t>
             </a:r>
           </a:p>
           <a:p>
             <a:pPr lvl="0"/>
             <a:r>
               <a:rPr lang="en-GB" dirty="0"/>
-              <a:t>Rural students face internet and digital literacy barriers</a:t>
-            </a:r>
-          </a:p>
-          <a:p>
-            <a:pPr lvl="0"/>
-            <a:r>
-              <a:rPr lang="en-GB" dirty="0"/>
-              <a:t>Bias in AI tools affects fairness</a:t>
-            </a:r>
-          </a:p>
-          <a:p>
-            <a:pPr lvl="0"/>
-            <a:r>
-              <a:rPr lang="en-GB" dirty="0"/>
-              <a:t>AI lacks emotional intelligence for deeper engagement</a:t>
+              <a:t>Gender differences in AI concerns</a:t>
             </a:r>
             <a:endParaRPr lang="en-US" dirty="0"/>
           </a:p>
@@ -8370,7 +9166,7 @@
     </p:spTree>
     <p:extLst>
       <p:ext uri="{BB962C8B-B14F-4D97-AF65-F5344CB8AC3E}">
-        <p14:creationId xmlns:p14="http://schemas.microsoft.com/office/powerpoint/2010/main" val="242730341"/>
+        <p14:creationId xmlns:p14="http://schemas.microsoft.com/office/powerpoint/2010/main" val="1490451343"/>
       </p:ext>
     </p:extLst>
   </p:cSld>
@@ -8385,13 +9181,7 @@
   <p:cSld>
     <p:spTree>
       <p:nvGrpSpPr>
-        <p:cNvPr id="1" name="">
-          <a:extLst>
-            <a:ext uri="{FF2B5EF4-FFF2-40B4-BE49-F238E27FC236}">
-              <a16:creationId xmlns:a16="http://schemas.microsoft.com/office/drawing/2014/main" id="{3B972D46-CDCD-1EE0-0F6C-0F438B52B921}"/>
-            </a:ext>
-          </a:extLst>
-        </p:cNvPr>
+        <p:cNvPr id="1" name=""/>
         <p:cNvGrpSpPr/>
         <p:nvPr/>
       </p:nvGrpSpPr>
@@ -8408,7 +9198,7 @@
           <p:cNvPr id="2" name="Title 1">
             <a:extLst>
               <a:ext uri="{FF2B5EF4-FFF2-40B4-BE49-F238E27FC236}">
-                <a16:creationId xmlns:a16="http://schemas.microsoft.com/office/drawing/2014/main" id="{95D5689C-3293-F53B-73A5-C3793D4D01E2}"/>
+                <a16:creationId xmlns:a16="http://schemas.microsoft.com/office/drawing/2014/main" id="{34136900-1293-E1D0-C9BD-42F7FE65C221}"/>
               </a:ext>
             </a:extLst>
           </p:cNvPr>
@@ -8434,39 +9224,68 @@
           </a:p>
         </p:txBody>
       </p:sp>
-      <p:pic>
-        <p:nvPicPr>
-          <p:cNvPr id="5" name="Content Placeholder 4" descr="A screenshot of a graph&#10;&#10;AI-generated content may be incorrect.">
+      <p:sp>
+        <p:nvSpPr>
+          <p:cNvPr id="3" name="Content Placeholder 2">
             <a:extLst>
               <a:ext uri="{FF2B5EF4-FFF2-40B4-BE49-F238E27FC236}">
-                <a16:creationId xmlns:a16="http://schemas.microsoft.com/office/drawing/2014/main" id="{4A53ECB7-EE27-6352-ED48-D1482D307FE9}"/>
+                <a16:creationId xmlns:a16="http://schemas.microsoft.com/office/drawing/2014/main" id="{B2776C25-A78D-D895-B107-AEF373EFC955}"/>
               </a:ext>
             </a:extLst>
           </p:cNvPr>
-          <p:cNvPicPr>
-            <a:picLocks noGrp="1" noChangeAspect="1"/>
-          </p:cNvPicPr>
+          <p:cNvSpPr>
+            <a:spLocks noGrp="1"/>
+          </p:cNvSpPr>
           <p:nvPr>
             <p:ph idx="1"/>
           </p:nvPr>
-        </p:nvPicPr>
-        <p:blipFill>
-          <a:blip r:embed="rId2"/>
-          <a:stretch>
-            <a:fillRect/>
-          </a:stretch>
-        </p:blipFill>
-        <p:spPr>
-          <a:xfrm>
-            <a:off x="403161" y="2310581"/>
-            <a:ext cx="8577411" cy="3362632"/>
-          </a:xfrm>
-        </p:spPr>
-      </p:pic>
+        </p:nvSpPr>
+        <p:spPr/>
+        <p:txBody>
+          <a:bodyPr/>
+          <a:lstStyle/>
+          <a:p>
+            <a:pPr lvl="0"/>
+            <a:r>
+              <a:rPr lang="en-GB" dirty="0"/>
+              <a:t>Ethical concerns: Plagiarism and over-reliance on AI</a:t>
+            </a:r>
+          </a:p>
+          <a:p>
+            <a:pPr lvl="0"/>
+            <a:r>
+              <a:rPr lang="en-GB" dirty="0"/>
+              <a:t>Chatbots improve efficiency but have limited academic impact</a:t>
+            </a:r>
+          </a:p>
+          <a:p>
+            <a:pPr lvl="0"/>
+            <a:r>
+              <a:rPr lang="en-GB" dirty="0"/>
+              <a:t>Rural students face internet and digital literacy barriers</a:t>
+            </a:r>
+          </a:p>
+          <a:p>
+            <a:pPr lvl="0"/>
+            <a:r>
+              <a:rPr lang="en-GB" dirty="0"/>
+              <a:t>Bias in AI tools affects fairness</a:t>
+            </a:r>
+          </a:p>
+          <a:p>
+            <a:pPr lvl="0"/>
+            <a:r>
+              <a:rPr lang="en-GB" dirty="0"/>
+              <a:t>AI lacks emotional intelligence for deeper engagement</a:t>
+            </a:r>
+            <a:endParaRPr lang="en-US" dirty="0"/>
+          </a:p>
+        </p:txBody>
+      </p:sp>
     </p:spTree>
     <p:extLst>
       <p:ext uri="{BB962C8B-B14F-4D97-AF65-F5344CB8AC3E}">
-        <p14:creationId xmlns:p14="http://schemas.microsoft.com/office/powerpoint/2010/main" val="48621824"/>
+        <p14:creationId xmlns:p14="http://schemas.microsoft.com/office/powerpoint/2010/main" val="242730341"/>
       </p:ext>
     </p:extLst>
   </p:cSld>

--- a/Weekly Submissions/Week2/Presentation Week 2.pptx
+++ b/Weekly Submissions/Week2/Presentation Week 2.pptx
@@ -5,7 +5,7 @@
     <p:sldMasterId id="2147483672" r:id="rId1"/>
   </p:sldMasterIdLst>
   <p:notesMasterIdLst>
-    <p:notesMasterId r:id="rId22"/>
+    <p:notesMasterId r:id="rId23"/>
   </p:notesMasterIdLst>
   <p:sldIdLst>
     <p:sldId id="256" r:id="rId2"/>
@@ -27,7 +27,8 @@
     <p:sldId id="271" r:id="rId18"/>
     <p:sldId id="272" r:id="rId19"/>
     <p:sldId id="281" r:id="rId20"/>
-    <p:sldId id="264" r:id="rId21"/>
+    <p:sldId id="285" r:id="rId21"/>
+    <p:sldId id="264" r:id="rId22"/>
   </p:sldIdLst>
   <p:sldSz cx="9144000" cy="6858000" type="screen4x3"/>
   <p:notesSz cx="6858000" cy="9144000"/>
@@ -7876,10 +7877,15 @@
             <p:ph idx="1"/>
           </p:nvPr>
         </p:nvSpPr>
-        <p:spPr/>
+        <p:spPr>
+          <a:xfrm>
+            <a:off x="685346" y="2096063"/>
+            <a:ext cx="7866226" cy="4152335"/>
+          </a:xfrm>
+        </p:spPr>
         <p:txBody>
           <a:bodyPr>
-            <a:normAutofit fontScale="62500" lnSpcReduction="20000"/>
+            <a:normAutofit fontScale="77500" lnSpcReduction="20000"/>
           </a:bodyPr>
           <a:lstStyle/>
           <a:p>
@@ -7958,26 +7964,6 @@
                 <a:effectLst/>
               </a:rPr>
               <a:t>Rehman, M., Ismail, N., Hossen, M., &amp; Hossain, M. (2025). Students’ mindset to adopt AI chatbots for effectiveness of online learning in higher education.</a:t>
-            </a:r>
-          </a:p>
-          <a:p>
-            <a:r>
-              <a:rPr lang="en-GB" dirty="0">
-                <a:effectLst/>
-              </a:rPr>
-              <a:t>Stohr, C., Ou, A., &amp; </a:t>
-            </a:r>
-            <a:r>
-              <a:rPr lang="en-GB" dirty="0" err="1">
-                <a:effectLst/>
-              </a:rPr>
-              <a:t>Malmstr</a:t>
-            </a:r>
-            <a:r>
-              <a:rPr lang="en-GB" dirty="0">
-                <a:effectLst/>
-              </a:rPr>
-              <a:t>¨ , H. (2024). Perceptions and usage of AI chatbots among students in higher education across genders, academic levels and fields of study.</a:t>
             </a:r>
           </a:p>
           <a:p>
@@ -8294,6 +8280,221 @@
 </file>
 
 <file path=ppt/slides/slide20.xml><?xml version="1.0" encoding="utf-8"?>
+<p:sld xmlns:a="http://schemas.openxmlformats.org/drawingml/2006/main" xmlns:r="http://schemas.openxmlformats.org/officeDocument/2006/relationships" xmlns:p="http://schemas.openxmlformats.org/presentationml/2006/main">
+  <p:cSld>
+    <p:spTree>
+      <p:nvGrpSpPr>
+        <p:cNvPr id="1" name="">
+          <a:extLst>
+            <a:ext uri="{FF2B5EF4-FFF2-40B4-BE49-F238E27FC236}">
+              <a16:creationId xmlns:a16="http://schemas.microsoft.com/office/drawing/2014/main" id="{057B5BBC-DDEC-093D-978B-7F6051051B4A}"/>
+            </a:ext>
+          </a:extLst>
+        </p:cNvPr>
+        <p:cNvGrpSpPr/>
+        <p:nvPr/>
+      </p:nvGrpSpPr>
+      <p:grpSpPr>
+        <a:xfrm>
+          <a:off x="0" y="0"/>
+          <a:ext cx="0" cy="0"/>
+          <a:chOff x="0" y="0"/>
+          <a:chExt cx="0" cy="0"/>
+        </a:xfrm>
+      </p:grpSpPr>
+      <p:sp>
+        <p:nvSpPr>
+          <p:cNvPr id="2" name="Title 1">
+            <a:extLst>
+              <a:ext uri="{FF2B5EF4-FFF2-40B4-BE49-F238E27FC236}">
+                <a16:creationId xmlns:a16="http://schemas.microsoft.com/office/drawing/2014/main" id="{83FBFEC9-A2A6-18A1-574D-2CAC3CA22E8F}"/>
+              </a:ext>
+            </a:extLst>
+          </p:cNvPr>
+          <p:cNvSpPr>
+            <a:spLocks noGrp="1"/>
+          </p:cNvSpPr>
+          <p:nvPr>
+            <p:ph type="title"/>
+          </p:nvPr>
+        </p:nvSpPr>
+        <p:spPr/>
+        <p:txBody>
+          <a:bodyPr/>
+          <a:lstStyle/>
+          <a:p>
+            <a:r>
+              <a:rPr lang="en-US" dirty="0" err="1"/>
+              <a:t>REferences</a:t>
+            </a:r>
+            <a:endParaRPr lang="en-GB" dirty="0"/>
+          </a:p>
+        </p:txBody>
+      </p:sp>
+      <p:sp>
+        <p:nvSpPr>
+          <p:cNvPr id="4" name="Content Placeholder 3">
+            <a:extLst>
+              <a:ext uri="{FF2B5EF4-FFF2-40B4-BE49-F238E27FC236}">
+                <a16:creationId xmlns:a16="http://schemas.microsoft.com/office/drawing/2014/main" id="{CDDBB8A3-9C6A-0D67-5901-65D3D75BEE36}"/>
+              </a:ext>
+            </a:extLst>
+          </p:cNvPr>
+          <p:cNvSpPr>
+            <a:spLocks noGrp="1"/>
+          </p:cNvSpPr>
+          <p:nvPr>
+            <p:ph idx="1"/>
+          </p:nvPr>
+        </p:nvSpPr>
+        <p:spPr>
+          <a:xfrm>
+            <a:off x="685346" y="2096063"/>
+            <a:ext cx="7866226" cy="4152335"/>
+          </a:xfrm>
+        </p:spPr>
+        <p:txBody>
+          <a:bodyPr>
+            <a:normAutofit fontScale="85000" lnSpcReduction="10000"/>
+          </a:bodyPr>
+          <a:lstStyle/>
+          <a:p>
+            <a:r>
+              <a:rPr lang="en-GB" dirty="0">
+                <a:effectLst/>
+              </a:rPr>
+              <a:t>Stohr, C., Ou, A., &amp; </a:t>
+            </a:r>
+            <a:r>
+              <a:rPr lang="en-GB" dirty="0" err="1">
+                <a:effectLst/>
+              </a:rPr>
+              <a:t>Malmstr</a:t>
+            </a:r>
+            <a:r>
+              <a:rPr lang="en-GB" dirty="0">
+                <a:effectLst/>
+              </a:rPr>
+              <a:t>¨ , H. (2024). Perceptions and usage of AI chatbots among students in higher education across genders, academic levels and fields of study.</a:t>
+            </a:r>
+          </a:p>
+          <a:p>
+            <a:r>
+              <a:rPr lang="en-GB" dirty="0">
+                <a:effectLst/>
+              </a:rPr>
+              <a:t>Damian T. Gordon,</a:t>
+            </a:r>
+            <a:r>
+              <a:rPr lang="en-GB" b="1" dirty="0">
+                <a:effectLst/>
+              </a:rPr>
+              <a:t> </a:t>
+            </a:r>
+            <a:r>
+              <a:rPr lang="en-GB" i="1" dirty="0">
+                <a:effectLst/>
+              </a:rPr>
+              <a:t>LinkedIn, </a:t>
+            </a:r>
+            <a:r>
+              <a:rPr lang="en-GB" i="1" dirty="0" err="1">
+                <a:effectLst/>
+              </a:rPr>
+              <a:t>Retrived</a:t>
+            </a:r>
+            <a:r>
+              <a:rPr lang="en-GB" i="1" dirty="0">
+                <a:effectLst/>
+              </a:rPr>
+              <a:t> September 30,2025, from </a:t>
+            </a:r>
+            <a:r>
+              <a:rPr lang="en-GB" dirty="0">
+                <a:effectLst/>
+                <a:hlinkClick r:id="rId2"/>
+              </a:rPr>
+              <a:t>https://www.linkedin.com/posts/damiangordon_it-is-clear-to-me-that-many-of-the-so-called-activity-7360342318572290048-WSrn?utm_source=social_share_send&amp;utm_medium=member_desktop_web&amp;rcm=ACoAADd0OCQBJWxU0U7mnSEBNptZD1UKEu0wkps</a:t>
+            </a:r>
+            <a:endParaRPr lang="en-GB" dirty="0">
+              <a:effectLst/>
+            </a:endParaRPr>
+          </a:p>
+          <a:p>
+            <a:r>
+              <a:rPr lang="en-GB">
+                <a:effectLst/>
+              </a:rPr>
+              <a:t>Damian </a:t>
+            </a:r>
+            <a:r>
+              <a:rPr lang="en-GB" dirty="0">
+                <a:effectLst/>
+              </a:rPr>
+              <a:t>T. Gordon,</a:t>
+            </a:r>
+            <a:r>
+              <a:rPr lang="en-GB" b="1" dirty="0">
+                <a:effectLst/>
+              </a:rPr>
+              <a:t> </a:t>
+            </a:r>
+            <a:r>
+              <a:rPr lang="en-GB" i="1" dirty="0">
+                <a:effectLst/>
+              </a:rPr>
+              <a:t>LinkedIn, </a:t>
+            </a:r>
+            <a:r>
+              <a:rPr lang="en-GB" i="1" dirty="0" err="1">
+                <a:effectLst/>
+              </a:rPr>
+              <a:t>Retrived</a:t>
+            </a:r>
+            <a:r>
+              <a:rPr lang="en-GB" i="1" dirty="0">
+                <a:effectLst/>
+              </a:rPr>
+              <a:t> September 30,2025, from </a:t>
+            </a:r>
+            <a:r>
+              <a:rPr lang="en-GB" dirty="0">
+                <a:effectLst/>
+                <a:hlinkClick r:id="rId3"/>
+              </a:rPr>
+              <a:t>https://www.linkedin.com/posts/louise-glynn-80576619_frequent-ai-chatbot-use-associated-with-lower-activity-7377845191094865920-yMlW?utm_source=social_share_send&amp;utm_medium=member_desktop_web&amp;rcm=ACoAADd0OCQBJWxU0U7mnSEBNptZD1UKEu0wkps</a:t>
+            </a:r>
+            <a:endParaRPr lang="en-GB" dirty="0">
+              <a:effectLst/>
+            </a:endParaRPr>
+          </a:p>
+          <a:p>
+            <a:endParaRPr lang="en-GB" dirty="0">
+              <a:effectLst/>
+            </a:endParaRPr>
+          </a:p>
+          <a:p>
+            <a:pPr marL="0" indent="0">
+              <a:buNone/>
+            </a:pPr>
+            <a:endParaRPr lang="en-US" dirty="0"/>
+          </a:p>
+        </p:txBody>
+      </p:sp>
+    </p:spTree>
+    <p:extLst>
+      <p:ext uri="{BB962C8B-B14F-4D97-AF65-F5344CB8AC3E}">
+        <p14:creationId xmlns:p14="http://schemas.microsoft.com/office/powerpoint/2010/main" val="661733930"/>
+      </p:ext>
+    </p:extLst>
+  </p:cSld>
+  <p:clrMapOvr>
+    <a:masterClrMapping/>
+  </p:clrMapOvr>
+</p:sld>
+</file>
+
+<file path=ppt/slides/slide21.xml><?xml version="1.0" encoding="utf-8"?>
 <p:sld xmlns:a="http://schemas.openxmlformats.org/drawingml/2006/main" xmlns:r="http://schemas.openxmlformats.org/officeDocument/2006/relationships" xmlns:p="http://schemas.openxmlformats.org/presentationml/2006/main">
   <p:cSld>
     <p:spTree>

--- a/Weekly Submissions/Week2/Presentation Week 2.pptx
+++ b/Weekly Submissions/Week2/Presentation Week 2.pptx
@@ -5,7 +5,7 @@
     <p:sldMasterId id="2147483672" r:id="rId1"/>
   </p:sldMasterIdLst>
   <p:notesMasterIdLst>
-    <p:notesMasterId r:id="rId23"/>
+    <p:notesMasterId r:id="rId22"/>
   </p:notesMasterIdLst>
   <p:sldIdLst>
     <p:sldId id="256" r:id="rId2"/>
@@ -21,14 +21,13 @@
     <p:sldId id="280" r:id="rId12"/>
     <p:sldId id="282" r:id="rId13"/>
     <p:sldId id="284" r:id="rId14"/>
-    <p:sldId id="283" r:id="rId15"/>
-    <p:sldId id="269" r:id="rId16"/>
-    <p:sldId id="270" r:id="rId17"/>
-    <p:sldId id="271" r:id="rId18"/>
-    <p:sldId id="272" r:id="rId19"/>
-    <p:sldId id="281" r:id="rId20"/>
-    <p:sldId id="285" r:id="rId21"/>
-    <p:sldId id="264" r:id="rId22"/>
+    <p:sldId id="269" r:id="rId15"/>
+    <p:sldId id="270" r:id="rId16"/>
+    <p:sldId id="271" r:id="rId17"/>
+    <p:sldId id="272" r:id="rId18"/>
+    <p:sldId id="281" r:id="rId19"/>
+    <p:sldId id="285" r:id="rId20"/>
+    <p:sldId id="264" r:id="rId21"/>
   </p:sldIdLst>
   <p:sldSz cx="9144000" cy="6858000" type="screen4x3"/>
   <p:notesSz cx="6858000" cy="9144000"/>
@@ -7303,61 +7302,6 @@
       </p:grpSpPr>
       <p:sp>
         <p:nvSpPr>
-          <p:cNvPr id="6" name="Content Placeholder 5">
-            <a:extLst>
-              <a:ext uri="{FF2B5EF4-FFF2-40B4-BE49-F238E27FC236}">
-                <a16:creationId xmlns:a16="http://schemas.microsoft.com/office/drawing/2014/main" id="{A526AD55-8A67-0985-AFEE-A0B0BE8D0EC5}"/>
-              </a:ext>
-            </a:extLst>
-          </p:cNvPr>
-          <p:cNvSpPr>
-            <a:spLocks noGrp="1"/>
-          </p:cNvSpPr>
-          <p:nvPr>
-            <p:ph idx="1"/>
-          </p:nvPr>
-        </p:nvSpPr>
-        <p:spPr/>
-        <p:txBody>
-          <a:bodyPr/>
-          <a:lstStyle/>
-          <a:p>
-            <a:endParaRPr lang="en-US"/>
-          </a:p>
-        </p:txBody>
-      </p:sp>
-    </p:spTree>
-    <p:extLst>
-      <p:ext uri="{BB962C8B-B14F-4D97-AF65-F5344CB8AC3E}">
-        <p14:creationId xmlns:p14="http://schemas.microsoft.com/office/powerpoint/2010/main" val="1567366369"/>
-      </p:ext>
-    </p:extLst>
-  </p:cSld>
-  <p:clrMapOvr>
-    <a:masterClrMapping/>
-  </p:clrMapOvr>
-</p:sld>
-</file>
-
-<file path=ppt/slides/slide15.xml><?xml version="1.0" encoding="utf-8"?>
-<p:sld xmlns:a="http://schemas.openxmlformats.org/drawingml/2006/main" xmlns:r="http://schemas.openxmlformats.org/officeDocument/2006/relationships" xmlns:p="http://schemas.openxmlformats.org/presentationml/2006/main">
-  <p:cSld>
-    <p:spTree>
-      <p:nvGrpSpPr>
-        <p:cNvPr id="1" name=""/>
-        <p:cNvGrpSpPr/>
-        <p:nvPr/>
-      </p:nvGrpSpPr>
-      <p:grpSpPr>
-        <a:xfrm>
-          <a:off x="0" y="0"/>
-          <a:ext cx="0" cy="0"/>
-          <a:chOff x="0" y="0"/>
-          <a:chExt cx="0" cy="0"/>
-        </a:xfrm>
-      </p:grpSpPr>
-      <p:sp>
-        <p:nvSpPr>
           <p:cNvPr id="2" name="Title 1">
             <a:extLst>
               <a:ext uri="{FF2B5EF4-FFF2-40B4-BE49-F238E27FC236}">
@@ -7438,7 +7382,7 @@
 </p:sld>
 </file>
 
-<file path=ppt/slides/slide16.xml><?xml version="1.0" encoding="utf-8"?>
+<file path=ppt/slides/slide15.xml><?xml version="1.0" encoding="utf-8"?>
 <p:sld xmlns:a="http://schemas.openxmlformats.org/drawingml/2006/main" xmlns:r="http://schemas.openxmlformats.org/officeDocument/2006/relationships" xmlns:p="http://schemas.openxmlformats.org/presentationml/2006/main">
   <p:cSld>
     <p:spTree>
@@ -7559,7 +7503,7 @@
 </p:sld>
 </file>
 
-<file path=ppt/slides/slide17.xml><?xml version="1.0" encoding="utf-8"?>
+<file path=ppt/slides/slide16.xml><?xml version="1.0" encoding="utf-8"?>
 <p:sld xmlns:a="http://schemas.openxmlformats.org/drawingml/2006/main" xmlns:r="http://schemas.openxmlformats.org/officeDocument/2006/relationships" xmlns:p="http://schemas.openxmlformats.org/presentationml/2006/main">
   <p:cSld>
     <p:spTree>
@@ -7684,7 +7628,7 @@
 </p:sld>
 </file>
 
-<file path=ppt/slides/slide18.xml><?xml version="1.0" encoding="utf-8"?>
+<file path=ppt/slides/slide17.xml><?xml version="1.0" encoding="utf-8"?>
 <p:sld xmlns:a="http://schemas.openxmlformats.org/drawingml/2006/main" xmlns:r="http://schemas.openxmlformats.org/officeDocument/2006/relationships" xmlns:p="http://schemas.openxmlformats.org/presentationml/2006/main">
   <p:cSld>
     <p:spTree>
@@ -7809,7 +7753,7 @@
 </p:sld>
 </file>
 
-<file path=ppt/slides/slide19.xml><?xml version="1.0" encoding="utf-8"?>
+<file path=ppt/slides/slide18.xml><?xml version="1.0" encoding="utf-8"?>
 <p:sld xmlns:a="http://schemas.openxmlformats.org/drawingml/2006/main" xmlns:r="http://schemas.openxmlformats.org/officeDocument/2006/relationships" xmlns:p="http://schemas.openxmlformats.org/presentationml/2006/main">
   <p:cSld>
     <p:spTree>
@@ -7978,6 +7922,215 @@
     <p:extLst>
       <p:ext uri="{BB962C8B-B14F-4D97-AF65-F5344CB8AC3E}">
         <p14:creationId xmlns:p14="http://schemas.microsoft.com/office/powerpoint/2010/main" val="2406855257"/>
+      </p:ext>
+    </p:extLst>
+  </p:cSld>
+  <p:clrMapOvr>
+    <a:masterClrMapping/>
+  </p:clrMapOvr>
+</p:sld>
+</file>
+
+<file path=ppt/slides/slide19.xml><?xml version="1.0" encoding="utf-8"?>
+<p:sld xmlns:a="http://schemas.openxmlformats.org/drawingml/2006/main" xmlns:r="http://schemas.openxmlformats.org/officeDocument/2006/relationships" xmlns:p="http://schemas.openxmlformats.org/presentationml/2006/main">
+  <p:cSld>
+    <p:spTree>
+      <p:nvGrpSpPr>
+        <p:cNvPr id="1" name="">
+          <a:extLst>
+            <a:ext uri="{FF2B5EF4-FFF2-40B4-BE49-F238E27FC236}">
+              <a16:creationId xmlns:a16="http://schemas.microsoft.com/office/drawing/2014/main" id="{057B5BBC-DDEC-093D-978B-7F6051051B4A}"/>
+            </a:ext>
+          </a:extLst>
+        </p:cNvPr>
+        <p:cNvGrpSpPr/>
+        <p:nvPr/>
+      </p:nvGrpSpPr>
+      <p:grpSpPr>
+        <a:xfrm>
+          <a:off x="0" y="0"/>
+          <a:ext cx="0" cy="0"/>
+          <a:chOff x="0" y="0"/>
+          <a:chExt cx="0" cy="0"/>
+        </a:xfrm>
+      </p:grpSpPr>
+      <p:sp>
+        <p:nvSpPr>
+          <p:cNvPr id="2" name="Title 1">
+            <a:extLst>
+              <a:ext uri="{FF2B5EF4-FFF2-40B4-BE49-F238E27FC236}">
+                <a16:creationId xmlns:a16="http://schemas.microsoft.com/office/drawing/2014/main" id="{83FBFEC9-A2A6-18A1-574D-2CAC3CA22E8F}"/>
+              </a:ext>
+            </a:extLst>
+          </p:cNvPr>
+          <p:cNvSpPr>
+            <a:spLocks noGrp="1"/>
+          </p:cNvSpPr>
+          <p:nvPr>
+            <p:ph type="title"/>
+          </p:nvPr>
+        </p:nvSpPr>
+        <p:spPr/>
+        <p:txBody>
+          <a:bodyPr/>
+          <a:lstStyle/>
+          <a:p>
+            <a:r>
+              <a:rPr lang="en-US" dirty="0" err="1"/>
+              <a:t>REferences</a:t>
+            </a:r>
+            <a:endParaRPr lang="en-GB" dirty="0"/>
+          </a:p>
+        </p:txBody>
+      </p:sp>
+      <p:sp>
+        <p:nvSpPr>
+          <p:cNvPr id="4" name="Content Placeholder 3">
+            <a:extLst>
+              <a:ext uri="{FF2B5EF4-FFF2-40B4-BE49-F238E27FC236}">
+                <a16:creationId xmlns:a16="http://schemas.microsoft.com/office/drawing/2014/main" id="{CDDBB8A3-9C6A-0D67-5901-65D3D75BEE36}"/>
+              </a:ext>
+            </a:extLst>
+          </p:cNvPr>
+          <p:cNvSpPr>
+            <a:spLocks noGrp="1"/>
+          </p:cNvSpPr>
+          <p:nvPr>
+            <p:ph idx="1"/>
+          </p:nvPr>
+        </p:nvSpPr>
+        <p:spPr>
+          <a:xfrm>
+            <a:off x="685346" y="2096063"/>
+            <a:ext cx="7866226" cy="4152335"/>
+          </a:xfrm>
+        </p:spPr>
+        <p:txBody>
+          <a:bodyPr>
+            <a:normAutofit fontScale="85000" lnSpcReduction="10000"/>
+          </a:bodyPr>
+          <a:lstStyle/>
+          <a:p>
+            <a:r>
+              <a:rPr lang="en-GB" dirty="0">
+                <a:effectLst/>
+              </a:rPr>
+              <a:t>Stohr, C., Ou, A., &amp; </a:t>
+            </a:r>
+            <a:r>
+              <a:rPr lang="en-GB" dirty="0" err="1">
+                <a:effectLst/>
+              </a:rPr>
+              <a:t>Malmstr</a:t>
+            </a:r>
+            <a:r>
+              <a:rPr lang="en-GB" dirty="0">
+                <a:effectLst/>
+              </a:rPr>
+              <a:t>¨ , H. (2024). Perceptions and usage of AI chatbots among students in higher education across genders, academic levels and fields of study.</a:t>
+            </a:r>
+          </a:p>
+          <a:p>
+            <a:r>
+              <a:rPr lang="en-GB" dirty="0">
+                <a:effectLst/>
+              </a:rPr>
+              <a:t>Damian T. Gordon,</a:t>
+            </a:r>
+            <a:r>
+              <a:rPr lang="en-GB" b="1" dirty="0">
+                <a:effectLst/>
+              </a:rPr>
+              <a:t> </a:t>
+            </a:r>
+            <a:r>
+              <a:rPr lang="en-GB" i="1" dirty="0">
+                <a:effectLst/>
+              </a:rPr>
+              <a:t>LinkedIn, </a:t>
+            </a:r>
+            <a:r>
+              <a:rPr lang="en-GB" i="1" dirty="0" err="1">
+                <a:effectLst/>
+              </a:rPr>
+              <a:t>Retrived</a:t>
+            </a:r>
+            <a:r>
+              <a:rPr lang="en-GB" i="1" dirty="0">
+                <a:effectLst/>
+              </a:rPr>
+              <a:t> September 30,2025, from </a:t>
+            </a:r>
+            <a:r>
+              <a:rPr lang="en-GB" dirty="0">
+                <a:effectLst/>
+                <a:hlinkClick r:id="rId2"/>
+              </a:rPr>
+              <a:t>https://www.linkedin.com/posts/damiangordon_it-is-clear-to-me-that-many-of-the-so-called-activity-7360342318572290048-WSrn?utm_source=social_share_send&amp;utm_medium=member_desktop_web&amp;rcm=ACoAADd0OCQBJWxU0U7mnSEBNptZD1UKEu0wkps</a:t>
+            </a:r>
+            <a:endParaRPr lang="en-GB" dirty="0">
+              <a:effectLst/>
+            </a:endParaRPr>
+          </a:p>
+          <a:p>
+            <a:r>
+              <a:rPr lang="en-GB" dirty="0">
+                <a:effectLst/>
+              </a:rPr>
+              <a:t>Damian T. Gordon,</a:t>
+            </a:r>
+            <a:r>
+              <a:rPr lang="en-GB" b="1" dirty="0">
+                <a:effectLst/>
+              </a:rPr>
+              <a:t> </a:t>
+            </a:r>
+            <a:r>
+              <a:rPr lang="en-GB" i="1" dirty="0">
+                <a:effectLst/>
+              </a:rPr>
+              <a:t>LinkedIn, </a:t>
+            </a:r>
+            <a:r>
+              <a:rPr lang="en-GB" i="1" dirty="0" err="1">
+                <a:effectLst/>
+              </a:rPr>
+              <a:t>Retrived</a:t>
+            </a:r>
+            <a:r>
+              <a:rPr lang="en-GB" i="1" dirty="0">
+                <a:effectLst/>
+              </a:rPr>
+              <a:t> September 30,2025, from </a:t>
+            </a:r>
+            <a:r>
+              <a:rPr lang="en-GB" dirty="0">
+                <a:effectLst/>
+                <a:hlinkClick r:id="rId3"/>
+              </a:rPr>
+              <a:t>https://www.linkedin.com/posts/louise-glynn-80576619_frequent-ai-chatbot-use-associated-with-lower-activity-7377845191094865920-yMlW?utm_source=social_share_send&amp;utm_medium=member_desktop_web&amp;rcm=ACoAADd0OCQBJWxU0U7mnSEBNptZD1UKEu0wkps</a:t>
+            </a:r>
+            <a:endParaRPr lang="en-GB" dirty="0">
+              <a:effectLst/>
+            </a:endParaRPr>
+          </a:p>
+          <a:p>
+            <a:endParaRPr lang="en-GB" dirty="0">
+              <a:effectLst/>
+            </a:endParaRPr>
+          </a:p>
+          <a:p>
+            <a:pPr marL="0" indent="0">
+              <a:buNone/>
+            </a:pPr>
+            <a:endParaRPr lang="en-US" dirty="0"/>
+          </a:p>
+        </p:txBody>
+      </p:sp>
+    </p:spTree>
+    <p:extLst>
+      <p:ext uri="{BB962C8B-B14F-4D97-AF65-F5344CB8AC3E}">
+        <p14:creationId xmlns:p14="http://schemas.microsoft.com/office/powerpoint/2010/main" val="661733930"/>
       </p:ext>
     </p:extLst>
   </p:cSld>
@@ -8280,221 +8433,6 @@
 </file>
 
 <file path=ppt/slides/slide20.xml><?xml version="1.0" encoding="utf-8"?>
-<p:sld xmlns:a="http://schemas.openxmlformats.org/drawingml/2006/main" xmlns:r="http://schemas.openxmlformats.org/officeDocument/2006/relationships" xmlns:p="http://schemas.openxmlformats.org/presentationml/2006/main">
-  <p:cSld>
-    <p:spTree>
-      <p:nvGrpSpPr>
-        <p:cNvPr id="1" name="">
-          <a:extLst>
-            <a:ext uri="{FF2B5EF4-FFF2-40B4-BE49-F238E27FC236}">
-              <a16:creationId xmlns:a16="http://schemas.microsoft.com/office/drawing/2014/main" id="{057B5BBC-DDEC-093D-978B-7F6051051B4A}"/>
-            </a:ext>
-          </a:extLst>
-        </p:cNvPr>
-        <p:cNvGrpSpPr/>
-        <p:nvPr/>
-      </p:nvGrpSpPr>
-      <p:grpSpPr>
-        <a:xfrm>
-          <a:off x="0" y="0"/>
-          <a:ext cx="0" cy="0"/>
-          <a:chOff x="0" y="0"/>
-          <a:chExt cx="0" cy="0"/>
-        </a:xfrm>
-      </p:grpSpPr>
-      <p:sp>
-        <p:nvSpPr>
-          <p:cNvPr id="2" name="Title 1">
-            <a:extLst>
-              <a:ext uri="{FF2B5EF4-FFF2-40B4-BE49-F238E27FC236}">
-                <a16:creationId xmlns:a16="http://schemas.microsoft.com/office/drawing/2014/main" id="{83FBFEC9-A2A6-18A1-574D-2CAC3CA22E8F}"/>
-              </a:ext>
-            </a:extLst>
-          </p:cNvPr>
-          <p:cNvSpPr>
-            <a:spLocks noGrp="1"/>
-          </p:cNvSpPr>
-          <p:nvPr>
-            <p:ph type="title"/>
-          </p:nvPr>
-        </p:nvSpPr>
-        <p:spPr/>
-        <p:txBody>
-          <a:bodyPr/>
-          <a:lstStyle/>
-          <a:p>
-            <a:r>
-              <a:rPr lang="en-US" dirty="0" err="1"/>
-              <a:t>REferences</a:t>
-            </a:r>
-            <a:endParaRPr lang="en-GB" dirty="0"/>
-          </a:p>
-        </p:txBody>
-      </p:sp>
-      <p:sp>
-        <p:nvSpPr>
-          <p:cNvPr id="4" name="Content Placeholder 3">
-            <a:extLst>
-              <a:ext uri="{FF2B5EF4-FFF2-40B4-BE49-F238E27FC236}">
-                <a16:creationId xmlns:a16="http://schemas.microsoft.com/office/drawing/2014/main" id="{CDDBB8A3-9C6A-0D67-5901-65D3D75BEE36}"/>
-              </a:ext>
-            </a:extLst>
-          </p:cNvPr>
-          <p:cNvSpPr>
-            <a:spLocks noGrp="1"/>
-          </p:cNvSpPr>
-          <p:nvPr>
-            <p:ph idx="1"/>
-          </p:nvPr>
-        </p:nvSpPr>
-        <p:spPr>
-          <a:xfrm>
-            <a:off x="685346" y="2096063"/>
-            <a:ext cx="7866226" cy="4152335"/>
-          </a:xfrm>
-        </p:spPr>
-        <p:txBody>
-          <a:bodyPr>
-            <a:normAutofit fontScale="85000" lnSpcReduction="10000"/>
-          </a:bodyPr>
-          <a:lstStyle/>
-          <a:p>
-            <a:r>
-              <a:rPr lang="en-GB" dirty="0">
-                <a:effectLst/>
-              </a:rPr>
-              <a:t>Stohr, C., Ou, A., &amp; </a:t>
-            </a:r>
-            <a:r>
-              <a:rPr lang="en-GB" dirty="0" err="1">
-                <a:effectLst/>
-              </a:rPr>
-              <a:t>Malmstr</a:t>
-            </a:r>
-            <a:r>
-              <a:rPr lang="en-GB" dirty="0">
-                <a:effectLst/>
-              </a:rPr>
-              <a:t>¨ , H. (2024). Perceptions and usage of AI chatbots among students in higher education across genders, academic levels and fields of study.</a:t>
-            </a:r>
-          </a:p>
-          <a:p>
-            <a:r>
-              <a:rPr lang="en-GB" dirty="0">
-                <a:effectLst/>
-              </a:rPr>
-              <a:t>Damian T. Gordon,</a:t>
-            </a:r>
-            <a:r>
-              <a:rPr lang="en-GB" b="1" dirty="0">
-                <a:effectLst/>
-              </a:rPr>
-              <a:t> </a:t>
-            </a:r>
-            <a:r>
-              <a:rPr lang="en-GB" i="1" dirty="0">
-                <a:effectLst/>
-              </a:rPr>
-              <a:t>LinkedIn, </a:t>
-            </a:r>
-            <a:r>
-              <a:rPr lang="en-GB" i="1" dirty="0" err="1">
-                <a:effectLst/>
-              </a:rPr>
-              <a:t>Retrived</a:t>
-            </a:r>
-            <a:r>
-              <a:rPr lang="en-GB" i="1" dirty="0">
-                <a:effectLst/>
-              </a:rPr>
-              <a:t> September 30,2025, from </a:t>
-            </a:r>
-            <a:r>
-              <a:rPr lang="en-GB" dirty="0">
-                <a:effectLst/>
-                <a:hlinkClick r:id="rId2"/>
-              </a:rPr>
-              <a:t>https://www.linkedin.com/posts/damiangordon_it-is-clear-to-me-that-many-of-the-so-called-activity-7360342318572290048-WSrn?utm_source=social_share_send&amp;utm_medium=member_desktop_web&amp;rcm=ACoAADd0OCQBJWxU0U7mnSEBNptZD1UKEu0wkps</a:t>
-            </a:r>
-            <a:endParaRPr lang="en-GB" dirty="0">
-              <a:effectLst/>
-            </a:endParaRPr>
-          </a:p>
-          <a:p>
-            <a:r>
-              <a:rPr lang="en-GB">
-                <a:effectLst/>
-              </a:rPr>
-              <a:t>Damian </a:t>
-            </a:r>
-            <a:r>
-              <a:rPr lang="en-GB" dirty="0">
-                <a:effectLst/>
-              </a:rPr>
-              <a:t>T. Gordon,</a:t>
-            </a:r>
-            <a:r>
-              <a:rPr lang="en-GB" b="1" dirty="0">
-                <a:effectLst/>
-              </a:rPr>
-              <a:t> </a:t>
-            </a:r>
-            <a:r>
-              <a:rPr lang="en-GB" i="1" dirty="0">
-                <a:effectLst/>
-              </a:rPr>
-              <a:t>LinkedIn, </a:t>
-            </a:r>
-            <a:r>
-              <a:rPr lang="en-GB" i="1" dirty="0" err="1">
-                <a:effectLst/>
-              </a:rPr>
-              <a:t>Retrived</a:t>
-            </a:r>
-            <a:r>
-              <a:rPr lang="en-GB" i="1" dirty="0">
-                <a:effectLst/>
-              </a:rPr>
-              <a:t> September 30,2025, from </a:t>
-            </a:r>
-            <a:r>
-              <a:rPr lang="en-GB" dirty="0">
-                <a:effectLst/>
-                <a:hlinkClick r:id="rId3"/>
-              </a:rPr>
-              <a:t>https://www.linkedin.com/posts/louise-glynn-80576619_frequent-ai-chatbot-use-associated-with-lower-activity-7377845191094865920-yMlW?utm_source=social_share_send&amp;utm_medium=member_desktop_web&amp;rcm=ACoAADd0OCQBJWxU0U7mnSEBNptZD1UKEu0wkps</a:t>
-            </a:r>
-            <a:endParaRPr lang="en-GB" dirty="0">
-              <a:effectLst/>
-            </a:endParaRPr>
-          </a:p>
-          <a:p>
-            <a:endParaRPr lang="en-GB" dirty="0">
-              <a:effectLst/>
-            </a:endParaRPr>
-          </a:p>
-          <a:p>
-            <a:pPr marL="0" indent="0">
-              <a:buNone/>
-            </a:pPr>
-            <a:endParaRPr lang="en-US" dirty="0"/>
-          </a:p>
-        </p:txBody>
-      </p:sp>
-    </p:spTree>
-    <p:extLst>
-      <p:ext uri="{BB962C8B-B14F-4D97-AF65-F5344CB8AC3E}">
-        <p14:creationId xmlns:p14="http://schemas.microsoft.com/office/powerpoint/2010/main" val="661733930"/>
-      </p:ext>
-    </p:extLst>
-  </p:cSld>
-  <p:clrMapOvr>
-    <a:masterClrMapping/>
-  </p:clrMapOvr>
-</p:sld>
-</file>
-
-<file path=ppt/slides/slide21.xml><?xml version="1.0" encoding="utf-8"?>
 <p:sld xmlns:a="http://schemas.openxmlformats.org/drawingml/2006/main" xmlns:r="http://schemas.openxmlformats.org/officeDocument/2006/relationships" xmlns:p="http://schemas.openxmlformats.org/presentationml/2006/main">
   <p:cSld>
     <p:spTree>

--- a/Weekly Submissions/Week2/Presentation Week 2.pptx
+++ b/Weekly Submissions/Week2/Presentation Week 2.pptx
@@ -6076,8 +6076,8 @@
         </p:nvSpPr>
         <p:spPr>
           <a:xfrm>
-            <a:off x="0" y="6146951"/>
-            <a:ext cx="4572000" cy="707886"/>
+            <a:off x="-1" y="6146951"/>
+            <a:ext cx="6645499" cy="707886"/>
           </a:xfrm>
           <a:prstGeom prst="rect">
             <a:avLst/>
@@ -6104,15 +6104,7 @@
           <a:p>
             <a:r>
               <a:rPr lang="en-US" sz="1000" dirty="0"/>
-              <a:t>Rumaysa </a:t>
-            </a:r>
-            <a:r>
-              <a:rPr lang="en-US" sz="1000" dirty="0" err="1"/>
-              <a:t>Babulkhair</a:t>
-            </a:r>
-            <a:r>
-              <a:rPr lang="en-US" sz="1000" dirty="0"/>
-              <a:t> – D24125711  </a:t>
+              <a:t>Rumaysa Babulkhair – D24125711 (Team Lead)  </a:t>
             </a:r>
           </a:p>
           <a:p>

--- a/Weekly Submissions/Week2/Presentation Week 2.pptx
+++ b/Weekly Submissions/Week2/Presentation Week 2.pptx
@@ -5,7 +5,7 @@
     <p:sldMasterId id="2147483672" r:id="rId1"/>
   </p:sldMasterIdLst>
   <p:notesMasterIdLst>
-    <p:notesMasterId r:id="rId22"/>
+    <p:notesMasterId r:id="rId23"/>
   </p:notesMasterIdLst>
   <p:sldIdLst>
     <p:sldId id="256" r:id="rId2"/>
@@ -21,13 +21,14 @@
     <p:sldId id="280" r:id="rId12"/>
     <p:sldId id="282" r:id="rId13"/>
     <p:sldId id="284" r:id="rId14"/>
-    <p:sldId id="269" r:id="rId15"/>
-    <p:sldId id="270" r:id="rId16"/>
-    <p:sldId id="271" r:id="rId17"/>
-    <p:sldId id="272" r:id="rId18"/>
-    <p:sldId id="281" r:id="rId19"/>
-    <p:sldId id="285" r:id="rId20"/>
-    <p:sldId id="264" r:id="rId21"/>
+    <p:sldId id="286" r:id="rId15"/>
+    <p:sldId id="269" r:id="rId16"/>
+    <p:sldId id="270" r:id="rId17"/>
+    <p:sldId id="271" r:id="rId18"/>
+    <p:sldId id="272" r:id="rId19"/>
+    <p:sldId id="281" r:id="rId20"/>
+    <p:sldId id="285" r:id="rId21"/>
+    <p:sldId id="264" r:id="rId22"/>
   </p:sldIdLst>
   <p:sldSz cx="9144000" cy="6858000" type="screen4x3"/>
   <p:notesSz cx="6858000" cy="9144000"/>
@@ -6092,6 +6093,12 @@
           <a:p>
             <a:r>
               <a:rPr lang="en-US" sz="1000" dirty="0"/>
+              <a:t>Rumaysa Babulkhair – D24125711 (Team Lead)  </a:t>
+            </a:r>
+          </a:p>
+          <a:p>
+            <a:r>
+              <a:rPr lang="en-US" sz="1000" dirty="0"/>
               <a:t>Anika Mayesha – D24125187</a:t>
             </a:r>
           </a:p>
@@ -6099,12 +6106,6 @@
             <a:r>
               <a:rPr lang="en-US" sz="1000" dirty="0"/>
               <a:t>Lorenzo Palleschi – D24126922</a:t>
-            </a:r>
-          </a:p>
-          <a:p>
-            <a:r>
-              <a:rPr lang="en-US" sz="1000" dirty="0"/>
-              <a:t>Rumaysa Babulkhair – D24125711 (Team Lead)  </a:t>
             </a:r>
           </a:p>
           <a:p>
@@ -6170,16 +6171,23 @@
             <p:ph type="title"/>
           </p:nvPr>
         </p:nvSpPr>
-        <p:spPr/>
-        <p:txBody>
-          <a:bodyPr/>
+        <p:spPr>
+          <a:xfrm>
+            <a:off x="685347" y="609602"/>
+            <a:ext cx="7765321" cy="845712"/>
+          </a:xfrm>
+        </p:spPr>
+        <p:txBody>
+          <a:bodyPr>
+            <a:normAutofit fontScale="90000"/>
+          </a:bodyPr>
           <a:lstStyle/>
           <a:p>
             <a:r>
               <a:rPr lang="en-GB" dirty="0">
                 <a:effectLst/>
               </a:rPr>
-              <a:t>Challenges and Limitations </a:t>
+              <a:t>Issues in educational AI apps</a:t>
             </a:r>
             <a:endParaRPr lang="en-US" dirty="0"/>
           </a:p>
@@ -6209,11 +6217,60 @@
         </p:blipFill>
         <p:spPr>
           <a:xfrm>
-            <a:off x="403161" y="2310581"/>
+            <a:off x="283294" y="2885766"/>
             <a:ext cx="8577411" cy="3362632"/>
           </a:xfrm>
         </p:spPr>
       </p:pic>
+      <p:sp>
+        <p:nvSpPr>
+          <p:cNvPr id="6" name="TextBox 5">
+            <a:extLst>
+              <a:ext uri="{FF2B5EF4-FFF2-40B4-BE49-F238E27FC236}">
+                <a16:creationId xmlns:a16="http://schemas.microsoft.com/office/drawing/2014/main" id="{AAF469D3-38FB-C300-A358-128C31E0E759}"/>
+              </a:ext>
+            </a:extLst>
+          </p:cNvPr>
+          <p:cNvSpPr txBox="1"/>
+          <p:nvPr/>
+        </p:nvSpPr>
+        <p:spPr>
+          <a:xfrm>
+            <a:off x="390282" y="1725768"/>
+            <a:ext cx="8577411" cy="646331"/>
+          </a:xfrm>
+          <a:prstGeom prst="rect">
+            <a:avLst/>
+          </a:prstGeom>
+          <a:noFill/>
+        </p:spPr>
+        <p:txBody>
+          <a:bodyPr wrap="square" rtlCol="0">
+            <a:spAutoFit/>
+          </a:bodyPr>
+          <a:lstStyle/>
+          <a:p>
+            <a:pPr marL="285750" indent="-285750">
+              <a:buFont typeface="Arial" panose="020B0604020202020204" pitchFamily="34" charset="0"/>
+              <a:buChar char="•"/>
+            </a:pPr>
+            <a:r>
+              <a:rPr lang="en-US" dirty="0"/>
+              <a:t>Language apps: Uses voice recognition and prompts</a:t>
+            </a:r>
+          </a:p>
+          <a:p>
+            <a:pPr marL="285750" indent="-285750">
+              <a:buFont typeface="Arial" panose="020B0604020202020204" pitchFamily="34" charset="0"/>
+              <a:buChar char="•"/>
+            </a:pPr>
+            <a:r>
+              <a:rPr lang="en-US" dirty="0"/>
+              <a:t>Math based AI apps: Uses Image recognition and prompts</a:t>
+            </a:r>
+          </a:p>
+        </p:txBody>
+      </p:sp>
     </p:spTree>
     <p:extLst>
       <p:ext uri="{BB962C8B-B14F-4D97-AF65-F5344CB8AC3E}">
@@ -6917,8 +6974,8 @@
         </p:nvSpPr>
         <p:spPr>
           <a:xfrm>
-            <a:off x="901522" y="1214336"/>
-            <a:ext cx="655949" cy="6272011"/>
+            <a:off x="1234806" y="3035312"/>
+            <a:ext cx="655949" cy="7357558"/>
           </a:xfrm>
           <a:prstGeom prst="rect">
             <a:avLst/>
@@ -6935,8 +6992,46 @@
               <a:rPr lang="en-US" sz="2800" dirty="0">
                 <a:latin typeface="+mj-lt"/>
               </a:rPr>
-              <a:t>Opinions</a:t>
-            </a:r>
+              <a:t>Opinion</a:t>
+            </a:r>
+          </a:p>
+        </p:txBody>
+      </p:sp>
+      <p:sp>
+        <p:nvSpPr>
+          <p:cNvPr id="13" name="TextBox 12">
+            <a:extLst>
+              <a:ext uri="{FF2B5EF4-FFF2-40B4-BE49-F238E27FC236}">
+                <a16:creationId xmlns:a16="http://schemas.microsoft.com/office/drawing/2014/main" id="{0A452ECC-D0BC-99E0-6DDF-386132098329}"/>
+              </a:ext>
+            </a:extLst>
+          </p:cNvPr>
+          <p:cNvSpPr txBox="1"/>
+          <p:nvPr/>
+        </p:nvSpPr>
+        <p:spPr>
+          <a:xfrm>
+            <a:off x="316158" y="643467"/>
+            <a:ext cx="676467" cy="4520961"/>
+          </a:xfrm>
+          <a:prstGeom prst="rect">
+            <a:avLst/>
+          </a:prstGeom>
+          <a:noFill/>
+        </p:spPr>
+        <p:txBody>
+          <a:bodyPr vert="wordArtVert" wrap="square">
+            <a:spAutoFit/>
+          </a:bodyPr>
+          <a:lstStyle/>
+          <a:p>
+            <a:r>
+              <a:rPr lang="en-US" sz="2800" dirty="0">
+                <a:latin typeface="+mj-lt"/>
+              </a:rPr>
+              <a:t>Teachers</a:t>
+            </a:r>
+            <a:endParaRPr lang="en-US" dirty="0"/>
           </a:p>
         </p:txBody>
       </p:sp>
@@ -7012,7 +7107,7 @@
         </p:nvSpPr>
         <p:spPr>
           <a:xfrm>
-            <a:off x="966746" y="1311713"/>
+            <a:off x="1099111" y="3149546"/>
             <a:ext cx="2521123" cy="4028512"/>
           </a:xfrm>
           <a:prstGeom prst="rect">
@@ -7057,7 +7152,7 @@
                 <a:ea typeface="+mn-ea"/>
                 <a:cs typeface="+mn-cs"/>
               </a:rPr>
-              <a:t>Opinions</a:t>
+              <a:t>Opinion</a:t>
             </a:r>
           </a:p>
           <a:p>
@@ -7262,6 +7357,44 @@
           </a:prstGeom>
         </p:spPr>
       </p:pic>
+      <p:sp>
+        <p:nvSpPr>
+          <p:cNvPr id="4" name="TextBox 3">
+            <a:extLst>
+              <a:ext uri="{FF2B5EF4-FFF2-40B4-BE49-F238E27FC236}">
+                <a16:creationId xmlns:a16="http://schemas.microsoft.com/office/drawing/2014/main" id="{AA604580-5299-A401-48D2-41A2173A3725}"/>
+              </a:ext>
+            </a:extLst>
+          </p:cNvPr>
+          <p:cNvSpPr txBox="1"/>
+          <p:nvPr/>
+        </p:nvSpPr>
+        <p:spPr>
+          <a:xfrm>
+            <a:off x="214615" y="606633"/>
+            <a:ext cx="676467" cy="5085827"/>
+          </a:xfrm>
+          <a:prstGeom prst="rect">
+            <a:avLst/>
+          </a:prstGeom>
+          <a:noFill/>
+        </p:spPr>
+        <p:txBody>
+          <a:bodyPr vert="wordArtVert" wrap="square">
+            <a:spAutoFit/>
+          </a:bodyPr>
+          <a:lstStyle/>
+          <a:p>
+            <a:r>
+              <a:rPr lang="en-US" sz="2800" dirty="0">
+                <a:latin typeface="+mj-lt"/>
+              </a:rPr>
+              <a:t>Teachers</a:t>
+            </a:r>
+            <a:endParaRPr lang="en-US" sz="2800" dirty="0"/>
+          </a:p>
+        </p:txBody>
+      </p:sp>
     </p:spTree>
     <p:extLst>
       <p:ext uri="{BB962C8B-B14F-4D97-AF65-F5344CB8AC3E}">
@@ -7297,7 +7430,7 @@
           <p:cNvPr id="2" name="Title 1">
             <a:extLst>
               <a:ext uri="{FF2B5EF4-FFF2-40B4-BE49-F238E27FC236}">
-                <a16:creationId xmlns:a16="http://schemas.microsoft.com/office/drawing/2014/main" id="{575012A2-23B8-A79E-6E77-2C48C52464ED}"/>
+                <a16:creationId xmlns:a16="http://schemas.microsoft.com/office/drawing/2014/main" id="{4FF9AF04-68F1-F0CE-FD64-91972543C6B6}"/>
               </a:ext>
             </a:extLst>
           </p:cNvPr>
@@ -7308,63 +7441,56 @@
             <p:ph type="title"/>
           </p:nvPr>
         </p:nvSpPr>
-        <p:spPr/>
+        <p:spPr>
+          <a:xfrm>
+            <a:off x="689339" y="234667"/>
+            <a:ext cx="7765321" cy="1326321"/>
+          </a:xfrm>
+        </p:spPr>
         <p:txBody>
           <a:bodyPr/>
           <a:lstStyle/>
           <a:p>
             <a:r>
               <a:rPr lang="en-US" dirty="0"/>
-              <a:t>Use-Case (Figma)</a:t>
-            </a:r>
-            <a:endParaRPr lang="en-GB" dirty="0"/>
-          </a:p>
-        </p:txBody>
-      </p:sp>
-      <p:sp>
-        <p:nvSpPr>
-          <p:cNvPr id="3" name="Content Placeholder 2">
+              <a:t>Solution: Study Buddy</a:t>
+            </a:r>
+          </a:p>
+        </p:txBody>
+      </p:sp>
+      <p:pic>
+        <p:nvPicPr>
+          <p:cNvPr id="5" name="Content Placeholder 4" descr="A diagram of a learning cycle&#10;&#10;AI-generated content may be incorrect.">
             <a:extLst>
               <a:ext uri="{FF2B5EF4-FFF2-40B4-BE49-F238E27FC236}">
-                <a16:creationId xmlns:a16="http://schemas.microsoft.com/office/drawing/2014/main" id="{EA6CF578-460E-7BDD-95D2-8D99005E882F}"/>
+                <a16:creationId xmlns:a16="http://schemas.microsoft.com/office/drawing/2014/main" id="{6421BE02-FABB-9AF6-44AB-019925E6BB8C}"/>
               </a:ext>
             </a:extLst>
           </p:cNvPr>
-          <p:cNvSpPr>
-            <a:spLocks noGrp="1"/>
-          </p:cNvSpPr>
+          <p:cNvPicPr>
+            <a:picLocks noGrp="1" noChangeAspect="1"/>
+          </p:cNvPicPr>
           <p:nvPr>
             <p:ph idx="1"/>
           </p:nvPr>
-        </p:nvSpPr>
-        <p:spPr/>
-        <p:txBody>
-          <a:bodyPr/>
-          <a:lstStyle/>
-          <a:p>
-            <a:r>
-              <a:rPr lang="en-US" dirty="0"/>
-              <a:t>This use-case shows how a student would interact with the current iteration of AI Study Buddy.</a:t>
-            </a:r>
-          </a:p>
-          <a:p>
-            <a:r>
-              <a:rPr lang="en-US" dirty="0"/>
-              <a:t>Figma allows us to visualise our thought process and allows for substantially easier and accurate prototypes to be created.</a:t>
-            </a:r>
-          </a:p>
-          <a:p>
-            <a:r>
-              <a:rPr lang="en-GB" dirty="0"/>
-              <a:t>With a step-through of the journey, design choices and features are easier to understand before development.</a:t>
-            </a:r>
-          </a:p>
-        </p:txBody>
-      </p:sp>
+        </p:nvPicPr>
+        <p:blipFill>
+          <a:blip r:embed="rId2"/>
+          <a:stretch>
+            <a:fillRect/>
+          </a:stretch>
+        </p:blipFill>
+        <p:spPr>
+          <a:xfrm>
+            <a:off x="1393685" y="1560988"/>
+            <a:ext cx="6156663" cy="5002945"/>
+          </a:xfrm>
+        </p:spPr>
+      </p:pic>
     </p:spTree>
     <p:extLst>
       <p:ext uri="{BB962C8B-B14F-4D97-AF65-F5344CB8AC3E}">
-        <p14:creationId xmlns:p14="http://schemas.microsoft.com/office/powerpoint/2010/main" val="423704209"/>
+        <p14:creationId xmlns:p14="http://schemas.microsoft.com/office/powerpoint/2010/main" val="1581869243"/>
       </p:ext>
     </p:extLst>
   </p:cSld>
@@ -7396,6 +7522,105 @@
           <p:cNvPr id="2" name="Title 1">
             <a:extLst>
               <a:ext uri="{FF2B5EF4-FFF2-40B4-BE49-F238E27FC236}">
+                <a16:creationId xmlns:a16="http://schemas.microsoft.com/office/drawing/2014/main" id="{575012A2-23B8-A79E-6E77-2C48C52464ED}"/>
+              </a:ext>
+            </a:extLst>
+          </p:cNvPr>
+          <p:cNvSpPr>
+            <a:spLocks noGrp="1"/>
+          </p:cNvSpPr>
+          <p:nvPr>
+            <p:ph type="title"/>
+          </p:nvPr>
+        </p:nvSpPr>
+        <p:spPr/>
+        <p:txBody>
+          <a:bodyPr/>
+          <a:lstStyle/>
+          <a:p>
+            <a:r>
+              <a:rPr lang="en-US" dirty="0"/>
+              <a:t>Use-Case (Figma)</a:t>
+            </a:r>
+            <a:endParaRPr lang="en-GB" dirty="0"/>
+          </a:p>
+        </p:txBody>
+      </p:sp>
+      <p:sp>
+        <p:nvSpPr>
+          <p:cNvPr id="3" name="Content Placeholder 2">
+            <a:extLst>
+              <a:ext uri="{FF2B5EF4-FFF2-40B4-BE49-F238E27FC236}">
+                <a16:creationId xmlns:a16="http://schemas.microsoft.com/office/drawing/2014/main" id="{EA6CF578-460E-7BDD-95D2-8D99005E882F}"/>
+              </a:ext>
+            </a:extLst>
+          </p:cNvPr>
+          <p:cNvSpPr>
+            <a:spLocks noGrp="1"/>
+          </p:cNvSpPr>
+          <p:nvPr>
+            <p:ph idx="1"/>
+          </p:nvPr>
+        </p:nvSpPr>
+        <p:spPr/>
+        <p:txBody>
+          <a:bodyPr/>
+          <a:lstStyle/>
+          <a:p>
+            <a:r>
+              <a:rPr lang="en-US" dirty="0"/>
+              <a:t>This use-case shows how a student would interact with the current iteration of AI Study Buddy.</a:t>
+            </a:r>
+          </a:p>
+          <a:p>
+            <a:r>
+              <a:rPr lang="en-US" dirty="0"/>
+              <a:t>Figma allows us to visualise our thought process and allows for substantially easier and accurate prototypes to be created.</a:t>
+            </a:r>
+          </a:p>
+          <a:p>
+            <a:r>
+              <a:rPr lang="en-GB" dirty="0"/>
+              <a:t>With a step-through of the journey, design choices and features are easier to understand before development.</a:t>
+            </a:r>
+          </a:p>
+        </p:txBody>
+      </p:sp>
+    </p:spTree>
+    <p:extLst>
+      <p:ext uri="{BB962C8B-B14F-4D97-AF65-F5344CB8AC3E}">
+        <p14:creationId xmlns:p14="http://schemas.microsoft.com/office/powerpoint/2010/main" val="423704209"/>
+      </p:ext>
+    </p:extLst>
+  </p:cSld>
+  <p:clrMapOvr>
+    <a:masterClrMapping/>
+  </p:clrMapOvr>
+</p:sld>
+</file>
+
+<file path=ppt/slides/slide16.xml><?xml version="1.0" encoding="utf-8"?>
+<p:sld xmlns:a="http://schemas.openxmlformats.org/drawingml/2006/main" xmlns:r="http://schemas.openxmlformats.org/officeDocument/2006/relationships" xmlns:p="http://schemas.openxmlformats.org/presentationml/2006/main">
+  <p:cSld>
+    <p:spTree>
+      <p:nvGrpSpPr>
+        <p:cNvPr id="1" name=""/>
+        <p:cNvGrpSpPr/>
+        <p:nvPr/>
+      </p:nvGrpSpPr>
+      <p:grpSpPr>
+        <a:xfrm>
+          <a:off x="0" y="0"/>
+          <a:ext cx="0" cy="0"/>
+          <a:chOff x="0" y="0"/>
+          <a:chExt cx="0" cy="0"/>
+        </a:xfrm>
+      </p:grpSpPr>
+      <p:sp>
+        <p:nvSpPr>
+          <p:cNvPr id="2" name="Title 1">
+            <a:extLst>
+              <a:ext uri="{FF2B5EF4-FFF2-40B4-BE49-F238E27FC236}">
                 <a16:creationId xmlns:a16="http://schemas.microsoft.com/office/drawing/2014/main" id="{E48EF0E1-B60D-9561-410E-E2C3C3CA75D2}"/>
               </a:ext>
             </a:extLst>
@@ -7495,7 +7720,7 @@
 </p:sld>
 </file>
 
-<file path=ppt/slides/slide16.xml><?xml version="1.0" encoding="utf-8"?>
+<file path=ppt/slides/slide17.xml><?xml version="1.0" encoding="utf-8"?>
 <p:sld xmlns:a="http://schemas.openxmlformats.org/drawingml/2006/main" xmlns:r="http://schemas.openxmlformats.org/officeDocument/2006/relationships" xmlns:p="http://schemas.openxmlformats.org/presentationml/2006/main">
   <p:cSld>
     <p:spTree>
@@ -7620,7 +7845,7 @@
 </p:sld>
 </file>
 
-<file path=ppt/slides/slide17.xml><?xml version="1.0" encoding="utf-8"?>
+<file path=ppt/slides/slide18.xml><?xml version="1.0" encoding="utf-8"?>
 <p:sld xmlns:a="http://schemas.openxmlformats.org/drawingml/2006/main" xmlns:r="http://schemas.openxmlformats.org/officeDocument/2006/relationships" xmlns:p="http://schemas.openxmlformats.org/presentationml/2006/main">
   <p:cSld>
     <p:spTree>
@@ -7745,7 +7970,7 @@
 </p:sld>
 </file>
 
-<file path=ppt/slides/slide18.xml><?xml version="1.0" encoding="utf-8"?>
+<file path=ppt/slides/slide19.xml><?xml version="1.0" encoding="utf-8"?>
 <p:sld xmlns:a="http://schemas.openxmlformats.org/drawingml/2006/main" xmlns:r="http://schemas.openxmlformats.org/officeDocument/2006/relationships" xmlns:p="http://schemas.openxmlformats.org/presentationml/2006/main">
   <p:cSld>
     <p:spTree>
@@ -7914,215 +8139,6 @@
     <p:extLst>
       <p:ext uri="{BB962C8B-B14F-4D97-AF65-F5344CB8AC3E}">
         <p14:creationId xmlns:p14="http://schemas.microsoft.com/office/powerpoint/2010/main" val="2406855257"/>
-      </p:ext>
-    </p:extLst>
-  </p:cSld>
-  <p:clrMapOvr>
-    <a:masterClrMapping/>
-  </p:clrMapOvr>
-</p:sld>
-</file>
-
-<file path=ppt/slides/slide19.xml><?xml version="1.0" encoding="utf-8"?>
-<p:sld xmlns:a="http://schemas.openxmlformats.org/drawingml/2006/main" xmlns:r="http://schemas.openxmlformats.org/officeDocument/2006/relationships" xmlns:p="http://schemas.openxmlformats.org/presentationml/2006/main">
-  <p:cSld>
-    <p:spTree>
-      <p:nvGrpSpPr>
-        <p:cNvPr id="1" name="">
-          <a:extLst>
-            <a:ext uri="{FF2B5EF4-FFF2-40B4-BE49-F238E27FC236}">
-              <a16:creationId xmlns:a16="http://schemas.microsoft.com/office/drawing/2014/main" id="{057B5BBC-DDEC-093D-978B-7F6051051B4A}"/>
-            </a:ext>
-          </a:extLst>
-        </p:cNvPr>
-        <p:cNvGrpSpPr/>
-        <p:nvPr/>
-      </p:nvGrpSpPr>
-      <p:grpSpPr>
-        <a:xfrm>
-          <a:off x="0" y="0"/>
-          <a:ext cx="0" cy="0"/>
-          <a:chOff x="0" y="0"/>
-          <a:chExt cx="0" cy="0"/>
-        </a:xfrm>
-      </p:grpSpPr>
-      <p:sp>
-        <p:nvSpPr>
-          <p:cNvPr id="2" name="Title 1">
-            <a:extLst>
-              <a:ext uri="{FF2B5EF4-FFF2-40B4-BE49-F238E27FC236}">
-                <a16:creationId xmlns:a16="http://schemas.microsoft.com/office/drawing/2014/main" id="{83FBFEC9-A2A6-18A1-574D-2CAC3CA22E8F}"/>
-              </a:ext>
-            </a:extLst>
-          </p:cNvPr>
-          <p:cNvSpPr>
-            <a:spLocks noGrp="1"/>
-          </p:cNvSpPr>
-          <p:nvPr>
-            <p:ph type="title"/>
-          </p:nvPr>
-        </p:nvSpPr>
-        <p:spPr/>
-        <p:txBody>
-          <a:bodyPr/>
-          <a:lstStyle/>
-          <a:p>
-            <a:r>
-              <a:rPr lang="en-US" dirty="0" err="1"/>
-              <a:t>REferences</a:t>
-            </a:r>
-            <a:endParaRPr lang="en-GB" dirty="0"/>
-          </a:p>
-        </p:txBody>
-      </p:sp>
-      <p:sp>
-        <p:nvSpPr>
-          <p:cNvPr id="4" name="Content Placeholder 3">
-            <a:extLst>
-              <a:ext uri="{FF2B5EF4-FFF2-40B4-BE49-F238E27FC236}">
-                <a16:creationId xmlns:a16="http://schemas.microsoft.com/office/drawing/2014/main" id="{CDDBB8A3-9C6A-0D67-5901-65D3D75BEE36}"/>
-              </a:ext>
-            </a:extLst>
-          </p:cNvPr>
-          <p:cNvSpPr>
-            <a:spLocks noGrp="1"/>
-          </p:cNvSpPr>
-          <p:nvPr>
-            <p:ph idx="1"/>
-          </p:nvPr>
-        </p:nvSpPr>
-        <p:spPr>
-          <a:xfrm>
-            <a:off x="685346" y="2096063"/>
-            <a:ext cx="7866226" cy="4152335"/>
-          </a:xfrm>
-        </p:spPr>
-        <p:txBody>
-          <a:bodyPr>
-            <a:normAutofit fontScale="85000" lnSpcReduction="10000"/>
-          </a:bodyPr>
-          <a:lstStyle/>
-          <a:p>
-            <a:r>
-              <a:rPr lang="en-GB" dirty="0">
-                <a:effectLst/>
-              </a:rPr>
-              <a:t>Stohr, C., Ou, A., &amp; </a:t>
-            </a:r>
-            <a:r>
-              <a:rPr lang="en-GB" dirty="0" err="1">
-                <a:effectLst/>
-              </a:rPr>
-              <a:t>Malmstr</a:t>
-            </a:r>
-            <a:r>
-              <a:rPr lang="en-GB" dirty="0">
-                <a:effectLst/>
-              </a:rPr>
-              <a:t>¨ , H. (2024). Perceptions and usage of AI chatbots among students in higher education across genders, academic levels and fields of study.</a:t>
-            </a:r>
-          </a:p>
-          <a:p>
-            <a:r>
-              <a:rPr lang="en-GB" dirty="0">
-                <a:effectLst/>
-              </a:rPr>
-              <a:t>Damian T. Gordon,</a:t>
-            </a:r>
-            <a:r>
-              <a:rPr lang="en-GB" b="1" dirty="0">
-                <a:effectLst/>
-              </a:rPr>
-              <a:t> </a:t>
-            </a:r>
-            <a:r>
-              <a:rPr lang="en-GB" i="1" dirty="0">
-                <a:effectLst/>
-              </a:rPr>
-              <a:t>LinkedIn, </a:t>
-            </a:r>
-            <a:r>
-              <a:rPr lang="en-GB" i="1" dirty="0" err="1">
-                <a:effectLst/>
-              </a:rPr>
-              <a:t>Retrived</a:t>
-            </a:r>
-            <a:r>
-              <a:rPr lang="en-GB" i="1" dirty="0">
-                <a:effectLst/>
-              </a:rPr>
-              <a:t> September 30,2025, from </a:t>
-            </a:r>
-            <a:r>
-              <a:rPr lang="en-GB" dirty="0">
-                <a:effectLst/>
-                <a:hlinkClick r:id="rId2"/>
-              </a:rPr>
-              <a:t>https://www.linkedin.com/posts/damiangordon_it-is-clear-to-me-that-many-of-the-so-called-activity-7360342318572290048-WSrn?utm_source=social_share_send&amp;utm_medium=member_desktop_web&amp;rcm=ACoAADd0OCQBJWxU0U7mnSEBNptZD1UKEu0wkps</a:t>
-            </a:r>
-            <a:endParaRPr lang="en-GB" dirty="0">
-              <a:effectLst/>
-            </a:endParaRPr>
-          </a:p>
-          <a:p>
-            <a:r>
-              <a:rPr lang="en-GB" dirty="0">
-                <a:effectLst/>
-              </a:rPr>
-              <a:t>Damian T. Gordon,</a:t>
-            </a:r>
-            <a:r>
-              <a:rPr lang="en-GB" b="1" dirty="0">
-                <a:effectLst/>
-              </a:rPr>
-              <a:t> </a:t>
-            </a:r>
-            <a:r>
-              <a:rPr lang="en-GB" i="1" dirty="0">
-                <a:effectLst/>
-              </a:rPr>
-              <a:t>LinkedIn, </a:t>
-            </a:r>
-            <a:r>
-              <a:rPr lang="en-GB" i="1" dirty="0" err="1">
-                <a:effectLst/>
-              </a:rPr>
-              <a:t>Retrived</a:t>
-            </a:r>
-            <a:r>
-              <a:rPr lang="en-GB" i="1" dirty="0">
-                <a:effectLst/>
-              </a:rPr>
-              <a:t> September 30,2025, from </a:t>
-            </a:r>
-            <a:r>
-              <a:rPr lang="en-GB" dirty="0">
-                <a:effectLst/>
-                <a:hlinkClick r:id="rId3"/>
-              </a:rPr>
-              <a:t>https://www.linkedin.com/posts/louise-glynn-80576619_frequent-ai-chatbot-use-associated-with-lower-activity-7377845191094865920-yMlW?utm_source=social_share_send&amp;utm_medium=member_desktop_web&amp;rcm=ACoAADd0OCQBJWxU0U7mnSEBNptZD1UKEu0wkps</a:t>
-            </a:r>
-            <a:endParaRPr lang="en-GB" dirty="0">
-              <a:effectLst/>
-            </a:endParaRPr>
-          </a:p>
-          <a:p>
-            <a:endParaRPr lang="en-GB" dirty="0">
-              <a:effectLst/>
-            </a:endParaRPr>
-          </a:p>
-          <a:p>
-            <a:pPr marL="0" indent="0">
-              <a:buNone/>
-            </a:pPr>
-            <a:endParaRPr lang="en-US" dirty="0"/>
-          </a:p>
-        </p:txBody>
-      </p:sp>
-    </p:spTree>
-    <p:extLst>
-      <p:ext uri="{BB962C8B-B14F-4D97-AF65-F5344CB8AC3E}">
-        <p14:creationId xmlns:p14="http://schemas.microsoft.com/office/powerpoint/2010/main" val="661733930"/>
       </p:ext>
     </p:extLst>
   </p:cSld>
@@ -8425,6 +8441,215 @@
 </file>
 
 <file path=ppt/slides/slide20.xml><?xml version="1.0" encoding="utf-8"?>
+<p:sld xmlns:a="http://schemas.openxmlformats.org/drawingml/2006/main" xmlns:r="http://schemas.openxmlformats.org/officeDocument/2006/relationships" xmlns:p="http://schemas.openxmlformats.org/presentationml/2006/main">
+  <p:cSld>
+    <p:spTree>
+      <p:nvGrpSpPr>
+        <p:cNvPr id="1" name="">
+          <a:extLst>
+            <a:ext uri="{FF2B5EF4-FFF2-40B4-BE49-F238E27FC236}">
+              <a16:creationId xmlns:a16="http://schemas.microsoft.com/office/drawing/2014/main" id="{057B5BBC-DDEC-093D-978B-7F6051051B4A}"/>
+            </a:ext>
+          </a:extLst>
+        </p:cNvPr>
+        <p:cNvGrpSpPr/>
+        <p:nvPr/>
+      </p:nvGrpSpPr>
+      <p:grpSpPr>
+        <a:xfrm>
+          <a:off x="0" y="0"/>
+          <a:ext cx="0" cy="0"/>
+          <a:chOff x="0" y="0"/>
+          <a:chExt cx="0" cy="0"/>
+        </a:xfrm>
+      </p:grpSpPr>
+      <p:sp>
+        <p:nvSpPr>
+          <p:cNvPr id="2" name="Title 1">
+            <a:extLst>
+              <a:ext uri="{FF2B5EF4-FFF2-40B4-BE49-F238E27FC236}">
+                <a16:creationId xmlns:a16="http://schemas.microsoft.com/office/drawing/2014/main" id="{83FBFEC9-A2A6-18A1-574D-2CAC3CA22E8F}"/>
+              </a:ext>
+            </a:extLst>
+          </p:cNvPr>
+          <p:cNvSpPr>
+            <a:spLocks noGrp="1"/>
+          </p:cNvSpPr>
+          <p:nvPr>
+            <p:ph type="title"/>
+          </p:nvPr>
+        </p:nvSpPr>
+        <p:spPr/>
+        <p:txBody>
+          <a:bodyPr/>
+          <a:lstStyle/>
+          <a:p>
+            <a:r>
+              <a:rPr lang="en-US" dirty="0" err="1"/>
+              <a:t>REferences</a:t>
+            </a:r>
+            <a:endParaRPr lang="en-GB" dirty="0"/>
+          </a:p>
+        </p:txBody>
+      </p:sp>
+      <p:sp>
+        <p:nvSpPr>
+          <p:cNvPr id="4" name="Content Placeholder 3">
+            <a:extLst>
+              <a:ext uri="{FF2B5EF4-FFF2-40B4-BE49-F238E27FC236}">
+                <a16:creationId xmlns:a16="http://schemas.microsoft.com/office/drawing/2014/main" id="{CDDBB8A3-9C6A-0D67-5901-65D3D75BEE36}"/>
+              </a:ext>
+            </a:extLst>
+          </p:cNvPr>
+          <p:cNvSpPr>
+            <a:spLocks noGrp="1"/>
+          </p:cNvSpPr>
+          <p:nvPr>
+            <p:ph idx="1"/>
+          </p:nvPr>
+        </p:nvSpPr>
+        <p:spPr>
+          <a:xfrm>
+            <a:off x="685346" y="2096063"/>
+            <a:ext cx="7866226" cy="4152335"/>
+          </a:xfrm>
+        </p:spPr>
+        <p:txBody>
+          <a:bodyPr>
+            <a:normAutofit fontScale="85000" lnSpcReduction="10000"/>
+          </a:bodyPr>
+          <a:lstStyle/>
+          <a:p>
+            <a:r>
+              <a:rPr lang="en-GB" dirty="0">
+                <a:effectLst/>
+              </a:rPr>
+              <a:t>Stohr, C., Ou, A., &amp; </a:t>
+            </a:r>
+            <a:r>
+              <a:rPr lang="en-GB" dirty="0" err="1">
+                <a:effectLst/>
+              </a:rPr>
+              <a:t>Malmstr</a:t>
+            </a:r>
+            <a:r>
+              <a:rPr lang="en-GB" dirty="0">
+                <a:effectLst/>
+              </a:rPr>
+              <a:t>¨ , H. (2024). Perceptions and usage of AI chatbots among students in higher education across genders, academic levels and fields of study.</a:t>
+            </a:r>
+          </a:p>
+          <a:p>
+            <a:r>
+              <a:rPr lang="en-GB" dirty="0">
+                <a:effectLst/>
+              </a:rPr>
+              <a:t>Damian T. Gordon,</a:t>
+            </a:r>
+            <a:r>
+              <a:rPr lang="en-GB" b="1" dirty="0">
+                <a:effectLst/>
+              </a:rPr>
+              <a:t> </a:t>
+            </a:r>
+            <a:r>
+              <a:rPr lang="en-GB" i="1" dirty="0">
+                <a:effectLst/>
+              </a:rPr>
+              <a:t>LinkedIn, </a:t>
+            </a:r>
+            <a:r>
+              <a:rPr lang="en-GB" i="1" dirty="0" err="1">
+                <a:effectLst/>
+              </a:rPr>
+              <a:t>Retrived</a:t>
+            </a:r>
+            <a:r>
+              <a:rPr lang="en-GB" i="1" dirty="0">
+                <a:effectLst/>
+              </a:rPr>
+              <a:t> September 30,2025, from </a:t>
+            </a:r>
+            <a:r>
+              <a:rPr lang="en-GB" dirty="0">
+                <a:effectLst/>
+                <a:hlinkClick r:id="rId2"/>
+              </a:rPr>
+              <a:t>https://www.linkedin.com/posts/damiangordon_it-is-clear-to-me-that-many-of-the-so-called-activity-7360342318572290048-WSrn?utm_source=social_share_send&amp;utm_medium=member_desktop_web&amp;rcm=ACoAADd0OCQBJWxU0U7mnSEBNptZD1UKEu0wkps</a:t>
+            </a:r>
+            <a:endParaRPr lang="en-GB" dirty="0">
+              <a:effectLst/>
+            </a:endParaRPr>
+          </a:p>
+          <a:p>
+            <a:r>
+              <a:rPr lang="en-GB" dirty="0">
+                <a:effectLst/>
+              </a:rPr>
+              <a:t>Damian T. Gordon,</a:t>
+            </a:r>
+            <a:r>
+              <a:rPr lang="en-GB" b="1" dirty="0">
+                <a:effectLst/>
+              </a:rPr>
+              <a:t> </a:t>
+            </a:r>
+            <a:r>
+              <a:rPr lang="en-GB" i="1" dirty="0">
+                <a:effectLst/>
+              </a:rPr>
+              <a:t>LinkedIn, </a:t>
+            </a:r>
+            <a:r>
+              <a:rPr lang="en-GB" i="1" dirty="0" err="1">
+                <a:effectLst/>
+              </a:rPr>
+              <a:t>Retrived</a:t>
+            </a:r>
+            <a:r>
+              <a:rPr lang="en-GB" i="1" dirty="0">
+                <a:effectLst/>
+              </a:rPr>
+              <a:t> September 30,2025, from </a:t>
+            </a:r>
+            <a:r>
+              <a:rPr lang="en-GB" dirty="0">
+                <a:effectLst/>
+                <a:hlinkClick r:id="rId3"/>
+              </a:rPr>
+              <a:t>https://www.linkedin.com/posts/louise-glynn-80576619_frequent-ai-chatbot-use-associated-with-lower-activity-7377845191094865920-yMlW?utm_source=social_share_send&amp;utm_medium=member_desktop_web&amp;rcm=ACoAADd0OCQBJWxU0U7mnSEBNptZD1UKEu0wkps</a:t>
+            </a:r>
+            <a:endParaRPr lang="en-GB" dirty="0">
+              <a:effectLst/>
+            </a:endParaRPr>
+          </a:p>
+          <a:p>
+            <a:endParaRPr lang="en-GB" dirty="0">
+              <a:effectLst/>
+            </a:endParaRPr>
+          </a:p>
+          <a:p>
+            <a:pPr marL="0" indent="0">
+              <a:buNone/>
+            </a:pPr>
+            <a:endParaRPr lang="en-US" dirty="0"/>
+          </a:p>
+        </p:txBody>
+      </p:sp>
+    </p:spTree>
+    <p:extLst>
+      <p:ext uri="{BB962C8B-B14F-4D97-AF65-F5344CB8AC3E}">
+        <p14:creationId xmlns:p14="http://schemas.microsoft.com/office/powerpoint/2010/main" val="661733930"/>
+      </p:ext>
+    </p:extLst>
+  </p:cSld>
+  <p:clrMapOvr>
+    <a:masterClrMapping/>
+  </p:clrMapOvr>
+</p:sld>
+</file>
+
+<file path=ppt/slides/slide21.xml><?xml version="1.0" encoding="utf-8"?>
 <p:sld xmlns:a="http://schemas.openxmlformats.org/drawingml/2006/main" xmlns:r="http://schemas.openxmlformats.org/officeDocument/2006/relationships" xmlns:p="http://schemas.openxmlformats.org/presentationml/2006/main">
   <p:cSld>
     <p:spTree>

--- a/Weekly Submissions/Week2/Presentation Week 2.pptx
+++ b/Weekly Submissions/Week2/Presentation Week 2.pptx
@@ -7453,7 +7453,7 @@
           <a:p>
             <a:r>
               <a:rPr lang="en-US" dirty="0"/>
-              <a:t>Solution: Study Buddy</a:t>
+              <a:t>Study Buddy</a:t>
             </a:r>
           </a:p>
         </p:txBody>
@@ -9140,30 +9140,6 @@
         <p:txBody>
           <a:bodyPr/>
           <a:lstStyle/>
-          <a:p>
-            <a:r>
-              <a:rPr lang="en-GB" b="1" dirty="0"/>
-              <a:t>Basis of Study</a:t>
-            </a:r>
-            <a:r>
-              <a:rPr lang="en-GB" dirty="0"/>
-              <a:t>: Review of 8 research papers</a:t>
-            </a:r>
-          </a:p>
-          <a:p>
-            <a:pPr lvl="1"/>
-            <a:r>
-              <a:rPr lang="en-GB" dirty="0"/>
-              <a:t>6 focused on universities</a:t>
-            </a:r>
-          </a:p>
-          <a:p>
-            <a:pPr lvl="1"/>
-            <a:r>
-              <a:rPr lang="en-GB" dirty="0"/>
-              <a:t>2 focused on schools</a:t>
-            </a:r>
-          </a:p>
           <a:p>
             <a:pPr marL="457200" lvl="1" indent="0">
               <a:buNone/>
